--- a/AixLib/Systems/EONERC_Testhall/Assumptions_and_Modelling.pptx
+++ b/AixLib/Systems/EONERC_Testhall/Assumptions_and_Modelling.pptx
@@ -12070,7 +12070,7 @@
               <a:pPr>
                 <a:defRPr/>
               </a:pPr>
-              <a:t>18.12.2023</a:t>
+              <a:t>23.01.2024</a:t>
             </a:fld>
             <a:endParaRPr lang="de-DE" sz="1000" dirty="0">
               <a:latin typeface="Arial" pitchFamily="34" charset="0"/>
@@ -12299,7 +12299,7 @@
               <a:pPr>
                 <a:defRPr/>
               </a:pPr>
-              <a:t>18.12.2023</a:t>
+              <a:t>23.01.2024</a:t>
             </a:fld>
             <a:endParaRPr lang="de-DE" dirty="0"/>
           </a:p>
@@ -20938,7 +20938,7 @@
       </a:lvl9pPr>
     </p:otherStyle>
   </p:txStyles>
-  <p:extLst mod="1">
+  <p:extLst>
     <p:ext uri="{27BBF7A9-308A-43DC-89C8-2F10F3537804}">
       <p15:sldGuideLst xmlns:p15="http://schemas.microsoft.com/office/powerpoint/2012/main">
         <p15:guide id="1" orient="horz" pos="1457" userDrawn="1">
@@ -21793,17 +21793,16 @@
           <a:lstStyle/>
           <a:p>
             <a:r>
-              <a:rPr lang="de-DE" dirty="0" smtClean="0"/>
+              <a:rPr lang="de-DE" dirty="0"/>
               <a:t>Annahmen und Modellierung</a:t>
             </a:r>
             <a:br>
-              <a:rPr lang="de-DE" dirty="0" smtClean="0"/>
+              <a:rPr lang="de-DE" dirty="0"/>
             </a:br>
             <a:r>
-              <a:rPr lang="de-DE" dirty="0" smtClean="0"/>
+              <a:rPr lang="de-DE" dirty="0"/>
               <a:t>der Testhalle des E.ON ERC</a:t>
             </a:r>
-            <a:endParaRPr lang="de-DE" dirty="0"/>
           </a:p>
         </p:txBody>
       </p:sp>
@@ -21853,10 +21852,9 @@
           <a:lstStyle/>
           <a:p>
             <a:r>
-              <a:rPr lang="de-DE" dirty="0" smtClean="0"/>
+              <a:rPr lang="de-DE" dirty="0"/>
               <a:t>Generell</a:t>
             </a:r>
-            <a:endParaRPr lang="de-DE" dirty="0"/>
           </a:p>
         </p:txBody>
       </p:sp>
@@ -21880,7 +21878,7 @@
               <a:buChar char="•"/>
             </a:pPr>
             <a:r>
-              <a:rPr lang="de-DE" dirty="0" smtClean="0"/>
+              <a:rPr lang="de-DE" dirty="0"/>
               <a:t>Unter Controller/Obsolete liegen verschiedene Regler der Module, die aktuell nicht mehr genutzt werden</a:t>
             </a:r>
           </a:p>
@@ -21890,15 +21888,15 @@
               <a:buChar char="•"/>
             </a:pPr>
             <a:r>
-              <a:rPr lang="de-DE" dirty="0" smtClean="0"/>
+              <a:rPr lang="de-DE" dirty="0"/>
               <a:t>In Controller/</a:t>
             </a:r>
             <a:r>
-              <a:rPr lang="de-DE" dirty="0" err="1" smtClean="0"/>
+              <a:rPr lang="de-DE" dirty="0" err="1"/>
               <a:t>HeatCurve</a:t>
             </a:r>
             <a:r>
-              <a:rPr lang="de-DE" dirty="0" smtClean="0"/>
+              <a:rPr lang="de-DE" dirty="0"/>
               <a:t> liegt das Modell einer Heizkurve, die je nach Außenlufttemperatur, die Vorlauftemperatur eines Moduls vorgibt. Dazu wird die Außenlufttemperatur als Wert in Kelvin als Input vorgegeben</a:t>
             </a:r>
           </a:p>
@@ -21908,31 +21906,31 @@
               <a:buChar char="•"/>
             </a:pPr>
             <a:r>
-              <a:rPr lang="de-DE" dirty="0" smtClean="0"/>
+              <a:rPr lang="de-DE" dirty="0"/>
               <a:t>In </a:t>
             </a:r>
             <a:r>
-              <a:rPr lang="de-DE" dirty="0" err="1" smtClean="0"/>
+              <a:rPr lang="de-DE" dirty="0" err="1"/>
               <a:t>AixLib</a:t>
             </a:r>
             <a:r>
-              <a:rPr lang="de-DE" dirty="0" smtClean="0"/>
+              <a:rPr lang="de-DE" dirty="0"/>
               <a:t>\Systems\</a:t>
             </a:r>
             <a:r>
-              <a:rPr lang="de-DE" dirty="0" err="1" smtClean="0"/>
+              <a:rPr lang="de-DE" dirty="0" err="1"/>
               <a:t>EONERC_Testhall</a:t>
             </a:r>
             <a:r>
-              <a:rPr lang="de-DE" dirty="0" smtClean="0"/>
+              <a:rPr lang="de-DE" dirty="0"/>
               <a:t>\</a:t>
             </a:r>
             <a:r>
-              <a:rPr lang="de-DE" dirty="0" err="1" smtClean="0"/>
+              <a:rPr lang="de-DE" dirty="0" err="1"/>
               <a:t>DataBase</a:t>
             </a:r>
             <a:r>
-              <a:rPr lang="de-DE" dirty="0" smtClean="0"/>
+              <a:rPr lang="de-DE" dirty="0"/>
               <a:t> liegen die Monitoring und Wetter Daten, sowie Annahmen bei der Erhebung/Zusammenstellung der Daten</a:t>
             </a:r>
           </a:p>
@@ -21942,34 +21940,129 @@
               <a:buChar char="•"/>
             </a:pPr>
             <a:r>
-              <a:rPr lang="de-DE" dirty="0" smtClean="0"/>
+              <a:rPr lang="de-DE" dirty="0"/>
               <a:t>In </a:t>
             </a:r>
             <a:r>
-              <a:rPr lang="de-DE" dirty="0" err="1" smtClean="0"/>
+              <a:rPr lang="de-DE" dirty="0" err="1"/>
               <a:t>AixLib</a:t>
             </a:r>
             <a:r>
-              <a:rPr lang="de-DE" dirty="0" smtClean="0"/>
+              <a:rPr lang="de-DE" dirty="0"/>
               <a:t>\Systems\</a:t>
             </a:r>
             <a:r>
-              <a:rPr lang="de-DE" dirty="0" err="1" smtClean="0"/>
+              <a:rPr lang="de-DE" dirty="0" err="1"/>
               <a:t>EONERC_Testhall</a:t>
             </a:r>
             <a:r>
-              <a:rPr lang="de-DE" dirty="0" smtClean="0"/>
+              <a:rPr lang="de-DE" dirty="0"/>
               <a:t>\</a:t>
             </a:r>
             <a:r>
-              <a:rPr lang="de-DE" dirty="0" err="1" smtClean="0"/>
+              <a:rPr lang="de-DE" dirty="0" err="1"/>
               <a:t>TestModels</a:t>
             </a:r>
             <a:r>
-              <a:rPr lang="de-DE" dirty="0" smtClean="0"/>
+              <a:rPr lang="de-DE" dirty="0"/>
               <a:t> liegen vereinfachte Minimalmodelle, die einzelnen Komponenten der Testhalle kombinieren</a:t>
             </a:r>
+          </a:p>
+          <a:p>
+            <a:pPr marL="285750" indent="-285750">
+              <a:buFont typeface="Arial" panose="020B0604020202020204" pitchFamily="34" charset="0"/>
+              <a:buChar char="•"/>
+            </a:pPr>
             <a:endParaRPr lang="de-DE" dirty="0"/>
+          </a:p>
+          <a:p>
+            <a:pPr marL="285750" indent="-285750">
+              <a:buFont typeface="Arial" panose="020B0604020202020204" pitchFamily="34" charset="0"/>
+              <a:buChar char="•"/>
+            </a:pPr>
+            <a:r>
+              <a:rPr lang="de-DE" dirty="0">
+                <a:solidFill>
+                  <a:srgbClr val="FF0000"/>
+                </a:solidFill>
+              </a:rPr>
+              <a:t>Anmerkung </a:t>
+            </a:r>
+            <a:r>
+              <a:rPr lang="de-DE" dirty="0" err="1">
+                <a:solidFill>
+                  <a:srgbClr val="FF0000"/>
+                </a:solidFill>
+              </a:rPr>
+              <a:t>fse</a:t>
+            </a:r>
+            <a:r>
+              <a:rPr lang="de-DE" dirty="0">
+                <a:solidFill>
+                  <a:srgbClr val="FF0000"/>
+                </a:solidFill>
+              </a:rPr>
+              <a:t>:</a:t>
+            </a:r>
+          </a:p>
+          <a:p>
+            <a:pPr marL="717750" lvl="1" indent="-285750">
+              <a:buFont typeface="Arial" panose="020B0604020202020204" pitchFamily="34" charset="0"/>
+              <a:buChar char="•"/>
+            </a:pPr>
+            <a:r>
+              <a:rPr lang="de-DE" dirty="0">
+                <a:solidFill>
+                  <a:srgbClr val="FF0000"/>
+                </a:solidFill>
+              </a:rPr>
+              <a:t>In jedem Subsystem liegen </a:t>
+            </a:r>
+            <a:r>
+              <a:rPr lang="de-DE" dirty="0" err="1">
+                <a:solidFill>
+                  <a:srgbClr val="FF0000"/>
+                </a:solidFill>
+              </a:rPr>
+              <a:t>Example</a:t>
+            </a:r>
+            <a:r>
+              <a:rPr lang="de-DE" dirty="0">
+                <a:solidFill>
+                  <a:srgbClr val="FF0000"/>
+                </a:solidFill>
+              </a:rPr>
+              <a:t> Ordner. Hier die zugehörigen Subsystem Modelle mit </a:t>
+            </a:r>
+            <a:r>
+              <a:rPr lang="de-DE" dirty="0" err="1">
+                <a:solidFill>
+                  <a:srgbClr val="FF0000"/>
+                </a:solidFill>
+              </a:rPr>
+              <a:t>boundaries</a:t>
+            </a:r>
+            <a:r>
+              <a:rPr lang="de-DE" dirty="0">
+                <a:solidFill>
+                  <a:srgbClr val="FF0000"/>
+                </a:solidFill>
+              </a:rPr>
+              <a:t> verbinden und simulationsfähige Modelle der </a:t>
+            </a:r>
+            <a:r>
+              <a:rPr lang="de-DE">
+                <a:solidFill>
+                  <a:srgbClr val="FF0000"/>
+                </a:solidFill>
+              </a:rPr>
+              <a:t>Subsysteme erstellen</a:t>
+            </a:r>
+            <a:endParaRPr lang="de-DE" dirty="0">
+              <a:solidFill>
+                <a:srgbClr val="FF0000"/>
+              </a:solidFill>
+            </a:endParaRPr>
           </a:p>
         </p:txBody>
       </p:sp>
@@ -22019,10 +22112,9 @@
           <a:lstStyle/>
           <a:p>
             <a:r>
-              <a:rPr lang="de-DE" dirty="0" smtClean="0"/>
+              <a:rPr lang="de-DE" dirty="0"/>
               <a:t>Monitoring Data</a:t>
             </a:r>
-            <a:endParaRPr lang="de-DE" dirty="0"/>
           </a:p>
         </p:txBody>
       </p:sp>
@@ -22063,11 +22155,7 @@
             </a:r>
             <a:r>
               <a:rPr lang="de-DE" dirty="0"/>
-              <a:t> 25.10.2023 </a:t>
-            </a:r>
-            <a:r>
-              <a:rPr lang="de-DE" dirty="0" smtClean="0"/>
-              <a:t>23:59</a:t>
+              <a:t> 25.10.2023 23:59</a:t>
             </a:r>
           </a:p>
           <a:p>
@@ -22076,130 +22164,130 @@
               <a:buChar char="•"/>
             </a:pPr>
             <a:r>
-              <a:rPr lang="de-DE" dirty="0" err="1" smtClean="0"/>
+              <a:rPr lang="de-DE" dirty="0" err="1"/>
               <a:t>Because</a:t>
-            </a:r>
-            <a:r>
-              <a:rPr lang="de-DE" dirty="0" smtClean="0"/>
-              <a:t> </a:t>
-            </a:r>
-            <a:r>
-              <a:rPr lang="de-DE" dirty="0" err="1" smtClean="0"/>
-              <a:t>of</a:t>
-            </a:r>
-            <a:r>
-              <a:rPr lang="de-DE" dirty="0" smtClean="0"/>
-              <a:t> </a:t>
-            </a:r>
-            <a:r>
-              <a:rPr lang="de-DE" dirty="0" err="1" smtClean="0"/>
-              <a:t>missing</a:t>
-            </a:r>
-            <a:r>
-              <a:rPr lang="de-DE" dirty="0" smtClean="0"/>
-              <a:t> </a:t>
-            </a:r>
-            <a:r>
-              <a:rPr lang="de-DE" dirty="0" err="1" smtClean="0"/>
-              <a:t>or</a:t>
-            </a:r>
-            <a:r>
-              <a:rPr lang="de-DE" dirty="0" smtClean="0"/>
-              <a:t> </a:t>
-            </a:r>
-            <a:r>
-              <a:rPr lang="de-DE" dirty="0" err="1" smtClean="0"/>
-              <a:t>unlogical</a:t>
-            </a:r>
-            <a:r>
-              <a:rPr lang="de-DE" dirty="0" smtClean="0"/>
-              <a:t> </a:t>
-            </a:r>
-            <a:r>
-              <a:rPr lang="de-DE" dirty="0" err="1" smtClean="0"/>
-              <a:t>sensor</a:t>
             </a:r>
             <a:r>
               <a:rPr lang="de-DE" dirty="0"/>
               <a:t> </a:t>
             </a:r>
             <a:r>
-              <a:rPr lang="de-DE" dirty="0" err="1" smtClean="0"/>
+              <a:rPr lang="de-DE" dirty="0" err="1"/>
+              <a:t>of</a:t>
+            </a:r>
+            <a:r>
+              <a:rPr lang="de-DE" dirty="0"/>
+              <a:t> </a:t>
+            </a:r>
+            <a:r>
+              <a:rPr lang="de-DE" dirty="0" err="1"/>
+              <a:t>missing</a:t>
+            </a:r>
+            <a:r>
+              <a:rPr lang="de-DE" dirty="0"/>
+              <a:t> </a:t>
+            </a:r>
+            <a:r>
+              <a:rPr lang="de-DE" dirty="0" err="1"/>
+              <a:t>or</a:t>
+            </a:r>
+            <a:r>
+              <a:rPr lang="de-DE" dirty="0"/>
+              <a:t> </a:t>
+            </a:r>
+            <a:r>
+              <a:rPr lang="de-DE" dirty="0" err="1"/>
+              <a:t>unlogical</a:t>
+            </a:r>
+            <a:r>
+              <a:rPr lang="de-DE" dirty="0"/>
+              <a:t> </a:t>
+            </a:r>
+            <a:r>
+              <a:rPr lang="de-DE" dirty="0" err="1"/>
+              <a:t>sensor</a:t>
+            </a:r>
+            <a:r>
+              <a:rPr lang="de-DE" dirty="0"/>
+              <a:t> </a:t>
+            </a:r>
+            <a:r>
+              <a:rPr lang="de-DE" dirty="0" err="1"/>
               <a:t>data</a:t>
             </a:r>
             <a:r>
-              <a:rPr lang="de-DE" dirty="0" smtClean="0"/>
+              <a:rPr lang="de-DE" dirty="0"/>
               <a:t> </a:t>
             </a:r>
             <a:r>
-              <a:rPr lang="de-DE" dirty="0" err="1" smtClean="0"/>
+              <a:rPr lang="de-DE" dirty="0" err="1"/>
               <a:t>there</a:t>
             </a:r>
             <a:r>
-              <a:rPr lang="de-DE" dirty="0" smtClean="0"/>
+              <a:rPr lang="de-DE" dirty="0"/>
               <a:t> </a:t>
             </a:r>
             <a:r>
-              <a:rPr lang="de-DE" dirty="0" err="1" smtClean="0"/>
+              <a:rPr lang="de-DE" dirty="0" err="1"/>
               <a:t>are</a:t>
             </a:r>
             <a:r>
-              <a:rPr lang="de-DE" dirty="0" smtClean="0"/>
+              <a:rPr lang="de-DE" dirty="0"/>
               <a:t> </a:t>
             </a:r>
             <a:r>
-              <a:rPr lang="de-DE" dirty="0" err="1" smtClean="0"/>
+              <a:rPr lang="de-DE" dirty="0" err="1"/>
               <a:t>some</a:t>
             </a:r>
             <a:r>
-              <a:rPr lang="de-DE" dirty="0" smtClean="0"/>
+              <a:rPr lang="de-DE" dirty="0"/>
               <a:t> </a:t>
             </a:r>
             <a:r>
-              <a:rPr lang="de-DE" dirty="0" err="1" smtClean="0"/>
+              <a:rPr lang="de-DE" dirty="0" err="1"/>
               <a:t>assuptions</a:t>
             </a:r>
             <a:r>
-              <a:rPr lang="de-DE" dirty="0" smtClean="0"/>
+              <a:rPr lang="de-DE" dirty="0"/>
               <a:t> </a:t>
             </a:r>
             <a:r>
-              <a:rPr lang="de-DE" dirty="0" err="1" smtClean="0"/>
+              <a:rPr lang="de-DE" dirty="0" err="1"/>
               <a:t>made</a:t>
             </a:r>
             <a:r>
-              <a:rPr lang="de-DE" dirty="0" smtClean="0"/>
+              <a:rPr lang="de-DE" dirty="0"/>
               <a:t> </a:t>
             </a:r>
             <a:r>
-              <a:rPr lang="de-DE" dirty="0" err="1" smtClean="0"/>
+              <a:rPr lang="de-DE" dirty="0" err="1"/>
               <a:t>for</a:t>
             </a:r>
             <a:r>
-              <a:rPr lang="de-DE" dirty="0" smtClean="0"/>
+              <a:rPr lang="de-DE" dirty="0"/>
               <a:t> </a:t>
             </a:r>
             <a:r>
-              <a:rPr lang="de-DE" dirty="0" err="1" smtClean="0"/>
+              <a:rPr lang="de-DE" dirty="0" err="1"/>
               <a:t>the</a:t>
             </a:r>
             <a:r>
-              <a:rPr lang="de-DE" dirty="0" smtClean="0"/>
+              <a:rPr lang="de-DE" dirty="0"/>
               <a:t> </a:t>
             </a:r>
             <a:r>
-              <a:rPr lang="de-DE" dirty="0" err="1" smtClean="0"/>
+              <a:rPr lang="de-DE" dirty="0" err="1"/>
               <a:t>input</a:t>
             </a:r>
             <a:r>
-              <a:rPr lang="de-DE" dirty="0" smtClean="0"/>
+              <a:rPr lang="de-DE" dirty="0"/>
               <a:t> </a:t>
             </a:r>
             <a:r>
-              <a:rPr lang="de-DE" dirty="0" err="1" smtClean="0"/>
+              <a:rPr lang="de-DE" dirty="0" err="1"/>
               <a:t>data</a:t>
             </a:r>
-            <a:endParaRPr lang="de-DE" dirty="0" smtClean="0"/>
+            <a:endParaRPr lang="de-DE" dirty="0"/>
           </a:p>
           <a:p>
             <a:pPr marL="285750" indent="-285750">
@@ -22207,51 +22295,51 @@
               <a:buChar char="•"/>
             </a:pPr>
             <a:r>
-              <a:rPr lang="de-DE" dirty="0" smtClean="0"/>
+              <a:rPr lang="de-DE" dirty="0"/>
               <a:t>A </a:t>
             </a:r>
             <a:r>
-              <a:rPr lang="de-DE" dirty="0" err="1" smtClean="0"/>
+              <a:rPr lang="de-DE" dirty="0" err="1"/>
               <a:t>conclusion</a:t>
             </a:r>
             <a:r>
-              <a:rPr lang="de-DE" dirty="0" smtClean="0"/>
+              <a:rPr lang="de-DE" dirty="0"/>
               <a:t> </a:t>
             </a:r>
             <a:r>
-              <a:rPr lang="de-DE" dirty="0" err="1" smtClean="0"/>
+              <a:rPr lang="de-DE" dirty="0" err="1"/>
               <a:t>of</a:t>
             </a:r>
             <a:r>
-              <a:rPr lang="de-DE" dirty="0" smtClean="0"/>
+              <a:rPr lang="de-DE" dirty="0"/>
               <a:t> </a:t>
             </a:r>
             <a:r>
-              <a:rPr lang="de-DE" dirty="0" err="1" smtClean="0"/>
+              <a:rPr lang="de-DE" dirty="0" err="1"/>
               <a:t>that</a:t>
             </a:r>
             <a:r>
-              <a:rPr lang="de-DE" dirty="0" smtClean="0"/>
+              <a:rPr lang="de-DE" dirty="0"/>
               <a:t> </a:t>
             </a:r>
             <a:r>
-              <a:rPr lang="de-DE" dirty="0" err="1" smtClean="0"/>
+              <a:rPr lang="de-DE" dirty="0" err="1"/>
               <a:t>can</a:t>
             </a:r>
             <a:r>
-              <a:rPr lang="de-DE" dirty="0" smtClean="0"/>
+              <a:rPr lang="de-DE" dirty="0"/>
               <a:t> </a:t>
             </a:r>
             <a:r>
-              <a:rPr lang="de-DE" dirty="0" err="1" smtClean="0"/>
+              <a:rPr lang="de-DE" dirty="0" err="1"/>
               <a:t>be</a:t>
             </a:r>
             <a:r>
-              <a:rPr lang="de-DE" dirty="0" smtClean="0"/>
+              <a:rPr lang="de-DE" dirty="0"/>
               <a:t> </a:t>
             </a:r>
             <a:r>
-              <a:rPr lang="de-DE" dirty="0" err="1" smtClean="0"/>
+              <a:rPr lang="de-DE" dirty="0" err="1"/>
               <a:t>found</a:t>
             </a:r>
             <a:r>
@@ -22259,27 +22347,27 @@
               <a:t> in: </a:t>
             </a:r>
             <a:r>
-              <a:rPr lang="de-DE" dirty="0" err="1" smtClean="0"/>
+              <a:rPr lang="de-DE" dirty="0" err="1"/>
               <a:t>AixLib</a:t>
             </a:r>
             <a:r>
-              <a:rPr lang="de-DE" dirty="0" smtClean="0"/>
+              <a:rPr lang="de-DE" dirty="0"/>
               <a:t>\Systems\</a:t>
             </a:r>
             <a:r>
-              <a:rPr lang="de-DE" dirty="0" err="1" smtClean="0"/>
+              <a:rPr lang="de-DE" dirty="0" err="1"/>
               <a:t>EONERC_Testhall</a:t>
             </a:r>
             <a:r>
-              <a:rPr lang="de-DE" dirty="0" smtClean="0"/>
+              <a:rPr lang="de-DE" dirty="0"/>
               <a:t>\</a:t>
             </a:r>
             <a:r>
-              <a:rPr lang="de-DE" dirty="0" err="1" smtClean="0"/>
+              <a:rPr lang="de-DE" dirty="0" err="1"/>
               <a:t>DataBase</a:t>
             </a:r>
             <a:r>
-              <a:rPr lang="de-DE" dirty="0" smtClean="0"/>
+              <a:rPr lang="de-DE" dirty="0"/>
               <a:t>\Data </a:t>
             </a:r>
             <a:r>
@@ -22291,11 +22379,11 @@
               <a:t> </a:t>
             </a:r>
             <a:r>
-              <a:rPr lang="de-DE" dirty="0" err="1" smtClean="0"/>
+              <a:rPr lang="de-DE" dirty="0" err="1"/>
               <a:t>Assumptions</a:t>
             </a:r>
             <a:r>
-              <a:rPr lang="de-DE" dirty="0" smtClean="0"/>
+              <a:rPr lang="de-DE" dirty="0"/>
               <a:t>\Assumptions.txt</a:t>
             </a:r>
           </a:p>
@@ -22311,15 +22399,15 @@
               <a:buFont typeface="Arial" panose="020B0604020202020204" pitchFamily="34" charset="0"/>
               <a:buChar char="•"/>
             </a:pPr>
-            <a:endParaRPr lang="de-DE" dirty="0" smtClean="0"/>
-          </a:p>
-          <a:p>
-            <a:r>
-              <a:rPr lang="de-DE" b="1" dirty="0" err="1" smtClean="0"/>
+            <a:endParaRPr lang="de-DE" dirty="0"/>
+          </a:p>
+          <a:p>
+            <a:r>
+              <a:rPr lang="de-DE" b="1" dirty="0" err="1"/>
               <a:t>Weather</a:t>
             </a:r>
             <a:r>
-              <a:rPr lang="de-DE" b="1" dirty="0" smtClean="0"/>
+              <a:rPr lang="de-DE" b="1" dirty="0"/>
               <a:t> Data</a:t>
             </a:r>
           </a:p>
@@ -22332,11 +22420,11 @@
               <a:buChar char="•"/>
             </a:pPr>
             <a:r>
-              <a:rPr lang="de-DE" dirty="0" smtClean="0"/>
+              <a:rPr lang="de-DE" dirty="0"/>
               <a:t>Information </a:t>
             </a:r>
             <a:r>
-              <a:rPr lang="de-DE" dirty="0" err="1" smtClean="0"/>
+              <a:rPr lang="de-DE" dirty="0" err="1"/>
               <a:t>from</a:t>
             </a:r>
             <a:r>
@@ -22347,16 +22435,10 @@
               <a:rPr lang="de-DE" dirty="0">
                 <a:hlinkClick r:id="rId2"/>
               </a:rPr>
-              <a:t>https://aixweather.eonerc.rwth-aachen.de</a:t>
-            </a:r>
-            <a:r>
-              <a:rPr lang="de-DE" dirty="0" smtClean="0">
-                <a:hlinkClick r:id="rId2"/>
-              </a:rPr>
-              <a:t>/</a:t>
-            </a:r>
-            <a:r>
-              <a:rPr lang="de-DE" dirty="0" smtClean="0"/>
+              <a:t>https://aixweather.eonerc.rwth-aachen.de/</a:t>
+            </a:r>
+            <a:r>
+              <a:rPr lang="de-DE" dirty="0"/>
               <a:t> Station ID: 15000 (Aachen)</a:t>
             </a:r>
           </a:p>
@@ -22366,23 +22448,23 @@
               <a:buChar char="•"/>
             </a:pPr>
             <a:r>
-              <a:rPr lang="de-DE" dirty="0" smtClean="0"/>
+              <a:rPr lang="de-DE" dirty="0"/>
               <a:t>Data </a:t>
             </a:r>
             <a:r>
-              <a:rPr lang="de-DE" dirty="0" err="1" smtClean="0"/>
+              <a:rPr lang="de-DE" dirty="0" err="1"/>
               <a:t>from</a:t>
             </a:r>
             <a:r>
-              <a:rPr lang="de-DE" dirty="0" smtClean="0"/>
+              <a:rPr lang="de-DE" dirty="0"/>
               <a:t> 25.10.2022 00:00 </a:t>
             </a:r>
             <a:r>
-              <a:rPr lang="de-DE" dirty="0" err="1" smtClean="0"/>
+              <a:rPr lang="de-DE" dirty="0" err="1"/>
               <a:t>to</a:t>
             </a:r>
             <a:r>
-              <a:rPr lang="de-DE" dirty="0" smtClean="0"/>
+              <a:rPr lang="de-DE" dirty="0"/>
               <a:t> 25.10.2023 23:59</a:t>
             </a:r>
           </a:p>
@@ -22392,159 +22474,159 @@
               <a:buChar char="•"/>
             </a:pPr>
             <a:r>
-              <a:rPr lang="de-DE" dirty="0" err="1" smtClean="0"/>
+              <a:rPr lang="de-DE" dirty="0" err="1"/>
               <a:t>Temperature</a:t>
             </a:r>
             <a:r>
-              <a:rPr lang="de-DE" dirty="0" smtClean="0"/>
+              <a:rPr lang="de-DE" dirty="0"/>
               <a:t> </a:t>
             </a:r>
             <a:r>
-              <a:rPr lang="de-DE" dirty="0" err="1" smtClean="0"/>
+              <a:rPr lang="de-DE" dirty="0" err="1"/>
               <a:t>of</a:t>
             </a:r>
             <a:r>
-              <a:rPr lang="de-DE" dirty="0" smtClean="0"/>
+              <a:rPr lang="de-DE" dirty="0"/>
               <a:t> </a:t>
             </a:r>
             <a:r>
-              <a:rPr lang="de-DE" dirty="0" err="1" smtClean="0"/>
+              <a:rPr lang="de-DE" dirty="0" err="1"/>
               <a:t>the</a:t>
             </a:r>
             <a:r>
-              <a:rPr lang="de-DE" dirty="0" smtClean="0"/>
+              <a:rPr lang="de-DE" dirty="0"/>
               <a:t> </a:t>
             </a:r>
             <a:r>
-              <a:rPr lang="de-DE" dirty="0" err="1" smtClean="0"/>
+              <a:rPr lang="de-DE" dirty="0" err="1"/>
               <a:t>weather</a:t>
             </a:r>
             <a:r>
-              <a:rPr lang="de-DE" dirty="0" smtClean="0"/>
+              <a:rPr lang="de-DE" dirty="0"/>
               <a:t> </a:t>
             </a:r>
             <a:r>
-              <a:rPr lang="de-DE" dirty="0" err="1" smtClean="0"/>
+              <a:rPr lang="de-DE" dirty="0" err="1"/>
               <a:t>station</a:t>
             </a:r>
             <a:r>
-              <a:rPr lang="de-DE" dirty="0" smtClean="0"/>
+              <a:rPr lang="de-DE" dirty="0"/>
               <a:t> </a:t>
             </a:r>
             <a:r>
-              <a:rPr lang="de-DE" dirty="0" err="1" smtClean="0"/>
+              <a:rPr lang="de-DE" dirty="0" err="1"/>
               <a:t>is</a:t>
             </a:r>
             <a:r>
-              <a:rPr lang="de-DE" dirty="0" smtClean="0"/>
+              <a:rPr lang="de-DE" dirty="0"/>
               <a:t> </a:t>
             </a:r>
             <a:r>
-              <a:rPr lang="de-DE" dirty="0" err="1" smtClean="0"/>
+              <a:rPr lang="de-DE" dirty="0" err="1"/>
               <a:t>almost</a:t>
             </a:r>
             <a:r>
-              <a:rPr lang="de-DE" dirty="0" smtClean="0"/>
+              <a:rPr lang="de-DE" dirty="0"/>
               <a:t> </a:t>
             </a:r>
             <a:r>
-              <a:rPr lang="de-DE" dirty="0" err="1" smtClean="0"/>
+              <a:rPr lang="de-DE" dirty="0" err="1"/>
               <a:t>equal</a:t>
             </a:r>
             <a:r>
-              <a:rPr lang="de-DE" dirty="0" smtClean="0"/>
+              <a:rPr lang="de-DE" dirty="0"/>
               <a:t> </a:t>
             </a:r>
             <a:r>
-              <a:rPr lang="de-DE" dirty="0" err="1" smtClean="0"/>
+              <a:rPr lang="de-DE" dirty="0" err="1"/>
               <a:t>to</a:t>
             </a:r>
             <a:r>
-              <a:rPr lang="de-DE" dirty="0" smtClean="0"/>
+              <a:rPr lang="de-DE" dirty="0"/>
               <a:t> </a:t>
             </a:r>
             <a:r>
-              <a:rPr lang="de-DE" dirty="0" err="1" smtClean="0"/>
+              <a:rPr lang="de-DE" dirty="0" err="1"/>
               <a:t>the</a:t>
             </a:r>
             <a:r>
-              <a:rPr lang="de-DE" dirty="0" smtClean="0"/>
+              <a:rPr lang="de-DE" dirty="0"/>
               <a:t> </a:t>
             </a:r>
             <a:r>
-              <a:rPr lang="de-DE" dirty="0" err="1" smtClean="0"/>
+              <a:rPr lang="de-DE" dirty="0" err="1"/>
               <a:t>monitoring</a:t>
             </a:r>
             <a:r>
-              <a:rPr lang="de-DE" dirty="0" smtClean="0"/>
+              <a:rPr lang="de-DE" dirty="0"/>
               <a:t> </a:t>
             </a:r>
             <a:r>
-              <a:rPr lang="de-DE" dirty="0" err="1" smtClean="0"/>
+              <a:rPr lang="de-DE" dirty="0" err="1"/>
               <a:t>data</a:t>
             </a:r>
             <a:r>
-              <a:rPr lang="de-DE" dirty="0" smtClean="0"/>
+              <a:rPr lang="de-DE" dirty="0"/>
               <a:t> </a:t>
             </a:r>
             <a:r>
-              <a:rPr lang="de-DE" dirty="0" err="1" smtClean="0"/>
+              <a:rPr lang="de-DE" dirty="0" err="1"/>
               <a:t>of</a:t>
             </a:r>
             <a:r>
-              <a:rPr lang="de-DE" dirty="0" smtClean="0"/>
+              <a:rPr lang="de-DE" dirty="0"/>
               <a:t> </a:t>
             </a:r>
             <a:r>
-              <a:rPr lang="de-DE" dirty="0" err="1" smtClean="0"/>
+              <a:rPr lang="de-DE" dirty="0" err="1"/>
               <a:t>the</a:t>
             </a:r>
             <a:r>
-              <a:rPr lang="de-DE" dirty="0" smtClean="0"/>
+              <a:rPr lang="de-DE" dirty="0"/>
               <a:t> hall, </a:t>
             </a:r>
             <a:r>
-              <a:rPr lang="de-DE" dirty="0" err="1" smtClean="0"/>
+              <a:rPr lang="de-DE" dirty="0" err="1"/>
               <a:t>therefore</a:t>
             </a:r>
             <a:r>
-              <a:rPr lang="de-DE" dirty="0" smtClean="0"/>
+              <a:rPr lang="de-DE" dirty="0"/>
               <a:t> </a:t>
             </a:r>
             <a:r>
-              <a:rPr lang="de-DE" dirty="0" err="1" smtClean="0"/>
+              <a:rPr lang="de-DE" dirty="0" err="1"/>
               <a:t>this</a:t>
             </a:r>
             <a:r>
-              <a:rPr lang="de-DE" dirty="0" smtClean="0"/>
+              <a:rPr lang="de-DE" dirty="0"/>
               <a:t> </a:t>
             </a:r>
             <a:r>
-              <a:rPr lang="de-DE" dirty="0" err="1" smtClean="0"/>
+              <a:rPr lang="de-DE" dirty="0" err="1"/>
               <a:t>data</a:t>
             </a:r>
             <a:r>
-              <a:rPr lang="de-DE" dirty="0" smtClean="0"/>
+              <a:rPr lang="de-DE" dirty="0"/>
               <a:t> </a:t>
             </a:r>
             <a:r>
-              <a:rPr lang="de-DE" dirty="0" err="1" smtClean="0"/>
+              <a:rPr lang="de-DE" dirty="0" err="1"/>
               <a:t>can</a:t>
             </a:r>
             <a:r>
-              <a:rPr lang="de-DE" dirty="0" smtClean="0"/>
+              <a:rPr lang="de-DE" dirty="0"/>
               <a:t> </a:t>
             </a:r>
             <a:r>
-              <a:rPr lang="de-DE" dirty="0" err="1" smtClean="0"/>
+              <a:rPr lang="de-DE" dirty="0" err="1"/>
               <a:t>be</a:t>
             </a:r>
             <a:r>
-              <a:rPr lang="de-DE" dirty="0" smtClean="0"/>
+              <a:rPr lang="de-DE" dirty="0"/>
               <a:t> </a:t>
             </a:r>
             <a:r>
-              <a:rPr lang="de-DE" dirty="0" err="1" smtClean="0"/>
+              <a:rPr lang="de-DE" dirty="0" err="1"/>
               <a:t>used</a:t>
             </a:r>
             <a:endParaRPr lang="de-DE" dirty="0"/>
@@ -22597,11 +22679,11 @@
           <a:lstStyle/>
           <a:p>
             <a:r>
-              <a:rPr lang="de-DE" dirty="0" smtClean="0"/>
+              <a:rPr lang="de-DE" dirty="0"/>
               <a:t>Gesamtmodell – EON ERC </a:t>
             </a:r>
             <a:r>
-              <a:rPr lang="de-DE" dirty="0" err="1" smtClean="0"/>
+              <a:rPr lang="de-DE" dirty="0" err="1"/>
               <a:t>Testhall</a:t>
             </a:r>
             <a:endParaRPr lang="de-DE" dirty="0"/>
@@ -22710,7 +22792,7 @@
             <a:lstStyle/>
             <a:p>
               <a:r>
-                <a:rPr lang="de-DE" sz="1200" dirty="0" smtClean="0"/>
+                <a:rPr lang="de-DE" sz="1200" dirty="0"/>
                 <a:t>AHU (RLT-Anlage)</a:t>
               </a:r>
             </a:p>
@@ -22774,14 +22856,14 @@
             <a:lstStyle/>
             <a:p>
               <a:r>
-                <a:rPr lang="de-DE" sz="1200" dirty="0" err="1" smtClean="0"/>
+                <a:rPr lang="de-DE" sz="1200" dirty="0" err="1"/>
                 <a:t>Vorherhitzer</a:t>
               </a:r>
-              <a:endParaRPr lang="de-DE" sz="1200" dirty="0" smtClean="0"/>
+              <a:endParaRPr lang="de-DE" sz="1200" dirty="0"/>
             </a:p>
             <a:p>
               <a:r>
-                <a:rPr lang="de-DE" sz="1200" dirty="0" smtClean="0"/>
+                <a:rPr lang="de-DE" sz="1200" dirty="0"/>
                 <a:t>Wasserseitig mit DHS (Verteiler Warmwasser) verbunden</a:t>
               </a:r>
             </a:p>
@@ -22845,13 +22927,13 @@
             <a:lstStyle/>
             <a:p>
               <a:r>
-                <a:rPr lang="de-DE" sz="1200" dirty="0" smtClean="0"/>
+                <a:rPr lang="de-DE" sz="1200" dirty="0"/>
                 <a:t>(Nach-) Erhitzer</a:t>
               </a:r>
             </a:p>
             <a:p>
               <a:r>
-                <a:rPr lang="de-DE" sz="1200" dirty="0" smtClean="0"/>
+                <a:rPr lang="de-DE" sz="1200" dirty="0"/>
                 <a:t>Wasserseitig mit DHS (Verteiler Warmwasser) verbunden</a:t>
               </a:r>
             </a:p>
@@ -22946,7 +23028,7 @@
             <a:lstStyle/>
             <a:p>
               <a:r>
-                <a:rPr lang="de-DE" sz="1400" dirty="0" smtClean="0"/>
+                <a:rPr lang="de-DE" sz="1400" dirty="0"/>
                 <a:t>Jeweils Vorlauf</a:t>
               </a:r>
             </a:p>
@@ -22975,7 +23057,7 @@
             <a:lstStyle/>
             <a:p>
               <a:r>
-                <a:rPr lang="de-DE" sz="1400" dirty="0" smtClean="0"/>
+                <a:rPr lang="de-DE" sz="1400" dirty="0"/>
                 <a:t>Jeweils Rücklauf</a:t>
               </a:r>
             </a:p>
@@ -23037,13 +23119,13 @@
             <a:lstStyle/>
             <a:p>
               <a:r>
-                <a:rPr lang="de-DE" sz="1200" dirty="0" smtClean="0"/>
+                <a:rPr lang="de-DE" sz="1200" dirty="0"/>
                 <a:t>Kühler </a:t>
               </a:r>
             </a:p>
             <a:p>
               <a:r>
-                <a:rPr lang="de-DE" sz="1200" dirty="0" smtClean="0"/>
+                <a:rPr lang="de-DE" sz="1200" dirty="0"/>
                 <a:t>Kein Verteiler Kühlwasser im System, daher Infos über Monitoring</a:t>
               </a:r>
             </a:p>
@@ -23175,18 +23257,14 @@
             <a:lstStyle/>
             <a:p>
               <a:r>
-                <a:rPr lang="de-DE" sz="1200" dirty="0" smtClean="0"/>
+                <a:rPr lang="de-DE" sz="1200" dirty="0"/>
                 <a:t>Umgebungsluft auf Basis von</a:t>
               </a:r>
             </a:p>
             <a:p>
               <a:r>
-                <a:rPr lang="de-DE" sz="1200" dirty="0" smtClean="0"/>
-                <a:t>Außenlufttemperatur, Druck </a:t>
-              </a:r>
-              <a:r>
-                <a:rPr lang="de-DE" sz="1200" dirty="0" smtClean="0"/>
-                <a:t>und Luftfeuchte</a:t>
+                <a:rPr lang="de-DE" sz="1200" dirty="0"/>
+                <a:t>Außenlufttemperatur, Druck und Luftfeuchte</a:t>
               </a:r>
             </a:p>
           </p:txBody>
@@ -23281,44 +23359,43 @@
           <a:lstStyle/>
           <a:p>
             <a:r>
-              <a:rPr lang="de-DE" sz="1400" dirty="0" smtClean="0"/>
+              <a:rPr lang="de-DE" sz="1400" dirty="0"/>
               <a:t>CPH (</a:t>
             </a:r>
             <a:r>
-              <a:rPr lang="de-DE" sz="1400" dirty="0" err="1" smtClean="0"/>
+              <a:rPr lang="de-DE" sz="1400" dirty="0" err="1"/>
               <a:t>Ceiling</a:t>
             </a:r>
             <a:r>
-              <a:rPr lang="de-DE" sz="1400" dirty="0" smtClean="0"/>
+              <a:rPr lang="de-DE" sz="1400" dirty="0"/>
               <a:t> Panel </a:t>
             </a:r>
             <a:r>
-              <a:rPr lang="de-DE" sz="1400" dirty="0" err="1" smtClean="0"/>
+              <a:rPr lang="de-DE" sz="1400" dirty="0" err="1"/>
               <a:t>Heater</a:t>
             </a:r>
             <a:r>
               <a:rPr lang="de-DE" sz="1400" dirty="0"/>
               <a:t>)</a:t>
             </a:r>
-            <a:endParaRPr lang="de-DE" sz="1400" dirty="0" smtClean="0"/>
-          </a:p>
-          <a:p>
-            <a:r>
-              <a:rPr lang="de-DE" sz="1400" dirty="0" smtClean="0"/>
+          </a:p>
+          <a:p>
+            <a:r>
+              <a:rPr lang="de-DE" sz="1400" dirty="0"/>
               <a:t>Zum Heizen der </a:t>
             </a:r>
             <a:r>
-              <a:rPr lang="de-DE" sz="1400" b="1" dirty="0" smtClean="0"/>
+              <a:rPr lang="de-DE" sz="1400" b="1" dirty="0"/>
               <a:t>Halle 2</a:t>
             </a:r>
             <a:r>
-              <a:rPr lang="de-DE" sz="1400" dirty="0" smtClean="0"/>
+              <a:rPr lang="de-DE" sz="1400" dirty="0"/>
               <a:t>, wird nicht detailliert abgebildet</a:t>
             </a:r>
           </a:p>
           <a:p>
             <a:r>
-              <a:rPr lang="de-DE" sz="1400" dirty="0" smtClean="0"/>
+              <a:rPr lang="de-DE" sz="1400" dirty="0"/>
               <a:t>Wärmestrom über Monitoring Daten angenähert</a:t>
             </a:r>
           </a:p>
@@ -23382,37 +23459,37 @@
           <a:lstStyle/>
           <a:p>
             <a:r>
-              <a:rPr lang="de-DE" sz="1400" dirty="0" smtClean="0"/>
+              <a:rPr lang="de-DE" sz="1400" dirty="0"/>
               <a:t>CID (</a:t>
             </a:r>
             <a:r>
-              <a:rPr lang="de-DE" sz="1400" dirty="0" err="1" smtClean="0"/>
+              <a:rPr lang="de-DE" sz="1400" dirty="0" err="1"/>
               <a:t>Ceiling</a:t>
             </a:r>
             <a:r>
-              <a:rPr lang="de-DE" sz="1400" dirty="0" smtClean="0"/>
+              <a:rPr lang="de-DE" sz="1400" dirty="0"/>
               <a:t> </a:t>
             </a:r>
             <a:r>
-              <a:rPr lang="de-DE" sz="1400" dirty="0" err="1" smtClean="0"/>
+              <a:rPr lang="de-DE" sz="1400" dirty="0" err="1"/>
               <a:t>Induction</a:t>
             </a:r>
             <a:r>
-              <a:rPr lang="de-DE" sz="1400" dirty="0" smtClean="0"/>
+              <a:rPr lang="de-DE" sz="1400" dirty="0"/>
               <a:t> Diffusor)</a:t>
             </a:r>
           </a:p>
           <a:p>
             <a:r>
-              <a:rPr lang="de-DE" sz="1400" dirty="0" smtClean="0"/>
+              <a:rPr lang="de-DE" sz="1400" dirty="0"/>
               <a:t>Zum Heizen der </a:t>
             </a:r>
             <a:r>
-              <a:rPr lang="de-DE" sz="1400" b="1" dirty="0" smtClean="0"/>
+              <a:rPr lang="de-DE" sz="1400" b="1" dirty="0"/>
               <a:t>Büros</a:t>
             </a:r>
             <a:r>
-              <a:rPr lang="de-DE" sz="1400" dirty="0" smtClean="0"/>
+              <a:rPr lang="de-DE" sz="1400" dirty="0"/>
               <a:t>, wird nicht detailliert abgebildet</a:t>
             </a:r>
           </a:p>
@@ -23475,26 +23552,22 @@
           <a:p>
             <a:r>
               <a:rPr lang="de-DE" sz="1400" dirty="0"/>
-              <a:t>CCA </a:t>
-            </a:r>
-            <a:r>
-              <a:rPr lang="de-DE" sz="1400" dirty="0" smtClean="0"/>
-              <a:t>(</a:t>
-            </a:r>
-            <a:r>
-              <a:rPr lang="de-DE" sz="1400" dirty="0" err="1" smtClean="0"/>
+              <a:t>CCA (</a:t>
+            </a:r>
+            <a:r>
+              <a:rPr lang="de-DE" sz="1400" dirty="0" err="1"/>
               <a:t>Concrete</a:t>
             </a:r>
             <a:r>
-              <a:rPr lang="de-DE" sz="1400" dirty="0" smtClean="0"/>
+              <a:rPr lang="de-DE" sz="1400" dirty="0"/>
               <a:t> Core </a:t>
             </a:r>
             <a:r>
-              <a:rPr lang="de-DE" sz="1400" dirty="0" err="1" smtClean="0"/>
+              <a:rPr lang="de-DE" sz="1400" dirty="0" err="1"/>
               <a:t>Activation</a:t>
             </a:r>
             <a:r>
-              <a:rPr lang="de-DE" sz="1400" dirty="0" smtClean="0"/>
+              <a:rPr lang="de-DE" sz="1400" dirty="0"/>
               <a:t>)</a:t>
             </a:r>
           </a:p>
@@ -23560,7 +23633,7 @@
           <a:lstStyle/>
           <a:p>
             <a:r>
-              <a:rPr lang="de-DE" sz="1400" dirty="0" smtClean="0"/>
+              <a:rPr lang="de-DE" sz="1400" dirty="0"/>
               <a:t>Verteiler Warmwasser</a:t>
             </a:r>
           </a:p>
@@ -23624,7 +23697,7 @@
           <a:lstStyle/>
           <a:p>
             <a:r>
-              <a:rPr lang="de-DE" sz="1400" dirty="0" smtClean="0"/>
+              <a:rPr lang="de-DE" sz="1400" dirty="0"/>
               <a:t>Regelung der CCA</a:t>
             </a:r>
           </a:p>
@@ -23688,7 +23761,7 @@
           <a:lstStyle/>
           <a:p>
             <a:r>
-              <a:rPr lang="de-DE" sz="1400" dirty="0" smtClean="0"/>
+              <a:rPr lang="de-DE" sz="1400" dirty="0"/>
               <a:t>Regelung der CPH</a:t>
             </a:r>
           </a:p>
@@ -23750,7 +23823,7 @@
           <a:lstStyle/>
           <a:p>
             <a:r>
-              <a:rPr lang="de-DE" sz="1400" dirty="0" smtClean="0"/>
+              <a:rPr lang="de-DE" sz="1400" dirty="0"/>
               <a:t>Regelung der AHU</a:t>
             </a:r>
           </a:p>
@@ -23781,11 +23854,11 @@
           <a:lstStyle/>
           <a:p>
             <a:r>
-              <a:rPr lang="de-DE" sz="1400" dirty="0" smtClean="0"/>
+              <a:rPr lang="de-DE" sz="1400" dirty="0"/>
               <a:t>Thermische Zone der </a:t>
             </a:r>
             <a:r>
-              <a:rPr lang="de-DE" sz="1400" b="1" dirty="0" smtClean="0"/>
+              <a:rPr lang="de-DE" sz="1400" b="1" dirty="0"/>
               <a:t>Halle 1</a:t>
             </a:r>
           </a:p>
@@ -23851,11 +23924,11 @@
           <a:lstStyle/>
           <a:p>
             <a:r>
-              <a:rPr lang="de-DE" sz="1400" b="1" dirty="0" smtClean="0"/>
+              <a:rPr lang="de-DE" sz="1400" b="1" dirty="0"/>
               <a:t>Halle 1 </a:t>
             </a:r>
             <a:r>
-              <a:rPr lang="de-DE" sz="1400" dirty="0" smtClean="0"/>
+              <a:rPr lang="de-DE" sz="1400" dirty="0"/>
               <a:t>klimatisiert über CCA und JN</a:t>
             </a:r>
           </a:p>
@@ -23989,7 +24062,7 @@
           <a:lstStyle/>
           <a:p>
             <a:r>
-              <a:rPr lang="de-DE" sz="1400" dirty="0" smtClean="0"/>
+              <a:rPr lang="de-DE" sz="1400" dirty="0"/>
               <a:t>Vorlauf AHU in CID und JN</a:t>
             </a:r>
           </a:p>
@@ -24053,7 +24126,7 @@
           <a:lstStyle/>
           <a:p>
             <a:r>
-              <a:rPr lang="de-DE" sz="1400" dirty="0" smtClean="0"/>
+              <a:rPr lang="de-DE" sz="1400" dirty="0"/>
               <a:t>Rücklauf AHU aus CID und JN</a:t>
             </a:r>
           </a:p>
@@ -24105,10 +24178,9 @@
           <a:lstStyle/>
           <a:p>
             <a:r>
-              <a:rPr lang="de-DE" dirty="0" smtClean="0"/>
+              <a:rPr lang="de-DE" dirty="0"/>
               <a:t>CPH </a:t>
             </a:r>
-            <a:endParaRPr lang="de-DE" dirty="0"/>
           </a:p>
         </p:txBody>
       </p:sp>
@@ -24132,12 +24204,12 @@
               <a:buChar char="•"/>
             </a:pPr>
             <a:r>
-              <a:rPr lang="de-DE" dirty="0" err="1" smtClean="0">
+              <a:rPr lang="de-DE" dirty="0" err="1">
                 <a:sym typeface="Wingdings" panose="05000000000000000000" pitchFamily="2" charset="2"/>
               </a:rPr>
               <a:t>radiantCeilingPanelHeater</a:t>
             </a:r>
-            <a:endParaRPr lang="de-DE" dirty="0" smtClean="0">
+            <a:endParaRPr lang="de-DE" dirty="0">
               <a:sym typeface="Wingdings" panose="05000000000000000000" pitchFamily="2" charset="2"/>
             </a:endParaRPr>
           </a:p>
@@ -24150,24 +24222,12 @@
             <a:r>
               <a:rPr lang="de-DE" dirty="0"/>
               <a:t> DN20  </a:t>
-            </a:r>
-            <a:r>
-              <a:rPr lang="de-DE" dirty="0" smtClean="0">
-                <a:sym typeface="Wingdings" panose="05000000000000000000" pitchFamily="2" charset="2"/>
-              </a:rPr>
-              <a:t> </a:t>
             </a:r>
             <a:r>
               <a:rPr lang="de-DE" dirty="0">
                 <a:sym typeface="Wingdings" panose="05000000000000000000" pitchFamily="2" charset="2"/>
               </a:rPr>
-              <a:t>auf </a:t>
-            </a:r>
-            <a:r>
-              <a:rPr lang="de-DE" dirty="0" smtClean="0">
-                <a:sym typeface="Wingdings" panose="05000000000000000000" pitchFamily="2" charset="2"/>
-              </a:rPr>
-              <a:t>22x1 </a:t>
+              <a:t> auf 22x1 </a:t>
             </a:r>
             <a:endParaRPr lang="de-DE" dirty="0">
               <a:solidFill>
@@ -24178,14 +24238,14 @@
           <a:p>
             <a:pPr lvl="1"/>
             <a:r>
-              <a:rPr lang="de-DE" dirty="0" err="1" smtClean="0"/>
+              <a:rPr lang="de-DE" dirty="0" err="1"/>
               <a:t>length</a:t>
             </a:r>
             <a:r>
-              <a:rPr lang="de-DE" dirty="0" smtClean="0"/>
+              <a:rPr lang="de-DE" dirty="0"/>
               <a:t>=17,2m</a:t>
             </a:r>
-            <a:endParaRPr lang="de-DE" dirty="0" smtClean="0">
+            <a:endParaRPr lang="de-DE" dirty="0">
               <a:sym typeface="Wingdings" panose="05000000000000000000" pitchFamily="2" charset="2"/>
             </a:endParaRPr>
           </a:p>
@@ -24232,17 +24292,8 @@
               <a:rPr lang="de-DE" dirty="0">
                 <a:sym typeface="Wingdings" panose="05000000000000000000" pitchFamily="2" charset="2"/>
               </a:rPr>
-              <a:t>-Wert nach DN32: 12 (Mittelwert</a:t>
-            </a:r>
-            <a:r>
-              <a:rPr lang="de-DE" dirty="0" smtClean="0">
-                <a:sym typeface="Wingdings" panose="05000000000000000000" pitchFamily="2" charset="2"/>
-              </a:rPr>
-              <a:t>) **</a:t>
-            </a:r>
-            <a:endParaRPr lang="de-DE" dirty="0">
-              <a:sym typeface="Wingdings" panose="05000000000000000000" pitchFamily="2" charset="2"/>
-            </a:endParaRPr>
+              <a:t>-Wert nach DN32: 12 (Mittelwert) **</a:t>
+            </a:r>
           </a:p>
           <a:p>
             <a:pPr lvl="1"/>
@@ -24326,17 +24377,8 @@
               <a:rPr lang="de-DE" dirty="0">
                 <a:sym typeface="Wingdings" panose="05000000000000000000" pitchFamily="2" charset="2"/>
               </a:rPr>
-              <a:t>-Wert nach DN25: 8 (Mittelwert</a:t>
-            </a:r>
-            <a:r>
-              <a:rPr lang="de-DE" dirty="0" smtClean="0">
-                <a:sym typeface="Wingdings" panose="05000000000000000000" pitchFamily="2" charset="2"/>
-              </a:rPr>
-              <a:t>) **</a:t>
-            </a:r>
-            <a:endParaRPr lang="de-DE" dirty="0">
-              <a:sym typeface="Wingdings" panose="05000000000000000000" pitchFamily="2" charset="2"/>
-            </a:endParaRPr>
+              <a:t>-Wert nach DN25: 8 (Mittelwert) **</a:t>
+            </a:r>
           </a:p>
           <a:p>
             <a:r>
@@ -24370,7 +24412,7 @@
               <a:buChar char="•"/>
             </a:pPr>
             <a:r>
-              <a:rPr lang="de-DE" dirty="0" smtClean="0">
+              <a:rPr lang="de-DE" dirty="0">
                 <a:solidFill>
                   <a:srgbClr val="FF0000"/>
                 </a:solidFill>
@@ -24378,18 +24420,18 @@
               </a:rPr>
               <a:t>Parameter könnten nochmal hinterfragt werden</a:t>
             </a:r>
-            <a:endParaRPr lang="de-DE" dirty="0" smtClean="0">
+            <a:endParaRPr lang="de-DE" dirty="0">
               <a:solidFill>
                 <a:srgbClr val="FF0000"/>
               </a:solidFill>
             </a:endParaRPr>
           </a:p>
           <a:p>
-            <a:endParaRPr lang="de-DE" dirty="0" smtClean="0"/>
-          </a:p>
-          <a:p>
-            <a:r>
-              <a:rPr lang="de-DE" b="1" dirty="0" smtClean="0"/>
+            <a:endParaRPr lang="de-DE" dirty="0"/>
+          </a:p>
+          <a:p>
+            <a:r>
+              <a:rPr lang="de-DE" b="1" dirty="0"/>
               <a:t>Regelung</a:t>
             </a:r>
           </a:p>
@@ -24399,39 +24441,39 @@
               <a:buChar char="•"/>
             </a:pPr>
             <a:r>
-              <a:rPr lang="de-DE" dirty="0" smtClean="0"/>
+              <a:rPr lang="de-DE" dirty="0"/>
               <a:t>Aktuell geregelt nach Hallen Code (</a:t>
             </a:r>
             <a:r>
-              <a:rPr lang="de-DE" dirty="0" err="1" smtClean="0"/>
+              <a:rPr lang="de-DE" dirty="0" err="1"/>
               <a:t>Twin</a:t>
             </a:r>
             <a:r>
-              <a:rPr lang="de-DE" dirty="0" smtClean="0"/>
+              <a:rPr lang="de-DE" dirty="0"/>
               <a:t> </a:t>
             </a:r>
             <a:r>
-              <a:rPr lang="de-DE" dirty="0" err="1" smtClean="0"/>
+              <a:rPr lang="de-DE" dirty="0" err="1"/>
               <a:t>Cat</a:t>
             </a:r>
             <a:r>
-              <a:rPr lang="de-DE" dirty="0" smtClean="0"/>
+              <a:rPr lang="de-DE" dirty="0"/>
               <a:t>), außer </a:t>
             </a:r>
             <a:r>
-              <a:rPr lang="de-DE" dirty="0" err="1" smtClean="0"/>
+              <a:rPr lang="de-DE" dirty="0" err="1"/>
               <a:t>Throttle</a:t>
             </a:r>
             <a:r>
-              <a:rPr lang="de-DE" dirty="0" smtClean="0"/>
+              <a:rPr lang="de-DE" dirty="0"/>
               <a:t> </a:t>
             </a:r>
             <a:r>
-              <a:rPr lang="de-DE" dirty="0" err="1" smtClean="0"/>
+              <a:rPr lang="de-DE" dirty="0" err="1"/>
               <a:t>Valve</a:t>
             </a:r>
             <a:r>
-              <a:rPr lang="de-DE" dirty="0" smtClean="0"/>
+              <a:rPr lang="de-DE" dirty="0"/>
               <a:t> </a:t>
             </a:r>
           </a:p>
@@ -24441,19 +24483,19 @@
               <a:buChar char="•"/>
             </a:pPr>
             <a:r>
-              <a:rPr lang="de-DE" dirty="0" err="1" smtClean="0"/>
+              <a:rPr lang="de-DE" dirty="0" err="1"/>
               <a:t>Throttle</a:t>
             </a:r>
             <a:r>
-              <a:rPr lang="de-DE" dirty="0" smtClean="0"/>
+              <a:rPr lang="de-DE" dirty="0"/>
               <a:t> </a:t>
             </a:r>
             <a:r>
-              <a:rPr lang="de-DE" dirty="0" err="1" smtClean="0"/>
+              <a:rPr lang="de-DE" dirty="0" err="1"/>
               <a:t>Valve</a:t>
             </a:r>
             <a:r>
-              <a:rPr lang="de-DE" dirty="0" smtClean="0"/>
+              <a:rPr lang="de-DE" dirty="0"/>
               <a:t> auf Basis von Monitoring Daten auf konstanten Wert von y=0.665 gesetzt</a:t>
             </a:r>
           </a:p>
@@ -24463,10 +24505,9 @@
               <a:buChar char="•"/>
             </a:pPr>
             <a:r>
-              <a:rPr lang="de-DE" dirty="0" smtClean="0"/>
+              <a:rPr lang="de-DE" dirty="0"/>
               <a:t>Vorlauftemperatur nach Heizkurve über Umgebungstemperatur</a:t>
             </a:r>
-            <a:endParaRPr lang="de-DE" dirty="0"/>
           </a:p>
           <a:p>
             <a:pPr marL="285750" indent="-285750">
@@ -24474,11 +24515,11 @@
               <a:buChar char="•"/>
             </a:pPr>
             <a:r>
-              <a:rPr lang="de-DE" dirty="0" smtClean="0"/>
+              <a:rPr lang="de-DE" dirty="0"/>
               <a:t>Regelung auf Basis des tatsächlichen Hallen Codes unter </a:t>
             </a:r>
             <a:r>
-              <a:rPr lang="de-DE" dirty="0" err="1" smtClean="0"/>
+              <a:rPr lang="de-DE" dirty="0" err="1"/>
               <a:t>Controller.ControlCPH_ProgrammHall</a:t>
             </a:r>
             <a:endParaRPr lang="de-DE" dirty="0"/>
@@ -24531,10 +24572,9 @@
           <a:lstStyle/>
           <a:p>
             <a:r>
-              <a:rPr lang="de-DE" dirty="0" smtClean="0"/>
+              <a:rPr lang="de-DE" dirty="0"/>
               <a:t>CCA – Betonkerntemperierung </a:t>
             </a:r>
-            <a:endParaRPr lang="de-DE" dirty="0"/>
           </a:p>
         </p:txBody>
       </p:sp>
@@ -24678,16 +24718,7 @@
                 </a:solidFill>
                 <a:sym typeface="Wingdings" panose="05000000000000000000" pitchFamily="2" charset="2"/>
               </a:rPr>
-              <a:t>Könnte auch nochmal gegen geprüft </a:t>
-            </a:r>
-            <a:r>
-              <a:rPr lang="de-DE" dirty="0" smtClean="0">
-                <a:solidFill>
-                  <a:srgbClr val="FF0000"/>
-                </a:solidFill>
-                <a:sym typeface="Wingdings" panose="05000000000000000000" pitchFamily="2" charset="2"/>
-              </a:rPr>
-              <a:t>werden</a:t>
+              <a:t>Könnte auch nochmal gegen geprüft werden</a:t>
             </a:r>
           </a:p>
           <a:p>
@@ -24696,63 +24727,60 @@
               <a:buChar char="•"/>
             </a:pPr>
             <a:r>
-              <a:rPr lang="de-DE" dirty="0" smtClean="0">
+              <a:rPr lang="de-DE" dirty="0">
                 <a:sym typeface="Wingdings" panose="05000000000000000000" pitchFamily="2" charset="2"/>
               </a:rPr>
               <a:t>CCA eigentlich zum Heizen und Kühlen eingesetzt, sobald Kühlwasserverteiler implementiert ist, kann theoretisch TABS Modell der </a:t>
             </a:r>
             <a:r>
-              <a:rPr lang="de-DE" dirty="0" err="1" smtClean="0">
+              <a:rPr lang="de-DE" dirty="0" err="1">
                 <a:sym typeface="Wingdings" panose="05000000000000000000" pitchFamily="2" charset="2"/>
               </a:rPr>
               <a:t>AixLib</a:t>
             </a:r>
             <a:r>
-              <a:rPr lang="de-DE" dirty="0" smtClean="0">
+              <a:rPr lang="de-DE" dirty="0">
                 <a:sym typeface="Wingdings" panose="05000000000000000000" pitchFamily="2" charset="2"/>
               </a:rPr>
               <a:t> verwendet werden (</a:t>
             </a:r>
             <a:r>
-              <a:rPr lang="de-DE" dirty="0" err="1" smtClean="0">
+              <a:rPr lang="de-DE" dirty="0" err="1">
                 <a:sym typeface="Wingdings" panose="05000000000000000000" pitchFamily="2" charset="2"/>
               </a:rPr>
               <a:t>AixLib</a:t>
             </a:r>
             <a:r>
-              <a:rPr lang="de-DE" dirty="0" smtClean="0">
+              <a:rPr lang="de-DE" dirty="0">
                 <a:sym typeface="Wingdings" panose="05000000000000000000" pitchFamily="2" charset="2"/>
               </a:rPr>
               <a:t>/Systems/TABS/</a:t>
             </a:r>
             <a:r>
-              <a:rPr lang="de-DE" dirty="0" err="1" smtClean="0">
+              <a:rPr lang="de-DE" dirty="0" err="1">
                 <a:sym typeface="Wingdings" panose="05000000000000000000" pitchFamily="2" charset="2"/>
               </a:rPr>
               <a:t>tabs</a:t>
             </a:r>
             <a:r>
-              <a:rPr lang="de-DE" dirty="0" smtClean="0">
+              <a:rPr lang="de-DE" dirty="0">
                 <a:sym typeface="Wingdings" panose="05000000000000000000" pitchFamily="2" charset="2"/>
               </a:rPr>
               <a:t>)</a:t>
             </a:r>
-            <a:endParaRPr lang="de-DE" dirty="0">
-              <a:sym typeface="Wingdings" panose="05000000000000000000" pitchFamily="2" charset="2"/>
-            </a:endParaRPr>
-          </a:p>
-          <a:p>
-            <a:endParaRPr lang="de-DE" b="1" dirty="0" smtClean="0"/>
           </a:p>
           <a:p>
             <a:endParaRPr lang="de-DE" b="1" dirty="0"/>
           </a:p>
           <a:p>
-            <a:endParaRPr lang="de-DE" b="1" dirty="0" smtClean="0"/>
-          </a:p>
-          <a:p>
-            <a:r>
-              <a:rPr lang="de-DE" b="1" dirty="0" smtClean="0"/>
+            <a:endParaRPr lang="de-DE" b="1" dirty="0"/>
+          </a:p>
+          <a:p>
+            <a:endParaRPr lang="de-DE" b="1" dirty="0"/>
+          </a:p>
+          <a:p>
+            <a:r>
+              <a:rPr lang="de-DE" b="1" dirty="0"/>
               <a:t>Regelung</a:t>
             </a:r>
           </a:p>
@@ -24762,15 +24790,15 @@
               <a:buChar char="•"/>
             </a:pPr>
             <a:r>
-              <a:rPr lang="de-DE" dirty="0" smtClean="0"/>
+              <a:rPr lang="de-DE" dirty="0"/>
               <a:t>Nach Hallen Code (</a:t>
             </a:r>
             <a:r>
-              <a:rPr lang="de-DE" dirty="0" err="1" smtClean="0"/>
+              <a:rPr lang="de-DE" dirty="0" err="1"/>
               <a:t>TwinCat</a:t>
             </a:r>
             <a:r>
-              <a:rPr lang="de-DE" dirty="0" smtClean="0"/>
+              <a:rPr lang="de-DE" dirty="0"/>
               <a:t>) mit Vorlauftemperatur über Heizkurve abhängig von der Umgebungstemperatur</a:t>
             </a:r>
           </a:p>
@@ -24786,7 +24814,7 @@
               <a:buFont typeface="Arial" panose="020B0604020202020204" pitchFamily="34" charset="0"/>
               <a:buChar char="•"/>
             </a:pPr>
-            <a:endParaRPr lang="de-DE" dirty="0" smtClean="0"/>
+            <a:endParaRPr lang="de-DE" dirty="0"/>
           </a:p>
         </p:txBody>
       </p:sp>
@@ -24836,10 +24864,9 @@
           <a:lstStyle/>
           <a:p>
             <a:r>
-              <a:rPr lang="de-DE" dirty="0" smtClean="0"/>
+              <a:rPr lang="de-DE" dirty="0"/>
               <a:t>DHS – Verteiler Warmwasser</a:t>
             </a:r>
-            <a:endParaRPr lang="de-DE" dirty="0"/>
           </a:p>
         </p:txBody>
       </p:sp>
@@ -24863,23 +24890,23 @@
               <a:buChar char="•"/>
             </a:pPr>
             <a:r>
-              <a:rPr lang="de-DE" dirty="0" err="1" smtClean="0"/>
+              <a:rPr lang="de-DE" dirty="0" err="1"/>
               <a:t>Kv</a:t>
             </a:r>
             <a:r>
-              <a:rPr lang="de-DE" dirty="0" smtClean="0"/>
+              <a:rPr lang="de-DE" dirty="0"/>
               <a:t>-Wert des Ventils fernwärmeseitig </a:t>
             </a:r>
             <a:r>
-              <a:rPr lang="de-DE" dirty="0" err="1" smtClean="0"/>
+              <a:rPr lang="de-DE" dirty="0" err="1"/>
               <a:t>Kv</a:t>
             </a:r>
             <a:r>
-              <a:rPr lang="de-DE" dirty="0" smtClean="0"/>
+              <a:rPr lang="de-DE" dirty="0"/>
               <a:t>=2,5 </a:t>
             </a:r>
             <a:r>
-              <a:rPr lang="de-DE" dirty="0" smtClean="0">
+              <a:rPr lang="de-DE" dirty="0">
                 <a:solidFill>
                   <a:schemeClr val="accent1"/>
                 </a:solidFill>
@@ -24902,7 +24929,7 @@
           </a:p>
           <a:p>
             <a:r>
-              <a:rPr lang="de-DE" b="1" dirty="0" smtClean="0">
+              <a:rPr lang="de-DE" b="1" dirty="0">
                 <a:sym typeface="Wingdings" panose="05000000000000000000" pitchFamily="2" charset="2"/>
               </a:rPr>
               <a:t>Regelung</a:t>
@@ -24914,7 +24941,7 @@
               <a:buChar char="•"/>
             </a:pPr>
             <a:r>
-              <a:rPr lang="de-DE" dirty="0" smtClean="0"/>
+              <a:rPr lang="de-DE" dirty="0"/>
               <a:t>Drehzahl über Differenzdruck zwischen Vor- und Rücklauf hallenseitig</a:t>
             </a:r>
           </a:p>
@@ -24924,7 +24951,7 @@
               <a:buChar char="•"/>
             </a:pPr>
             <a:r>
-              <a:rPr lang="de-DE" dirty="0" smtClean="0"/>
+              <a:rPr lang="de-DE" dirty="0"/>
               <a:t>Wert (grob) abgelesen von Sensor in Halle, könnte variieren </a:t>
             </a:r>
             <a:r>
@@ -24943,7 +24970,7 @@
               <a:buChar char="•"/>
             </a:pPr>
             <a:r>
-              <a:rPr lang="de-DE" dirty="0" smtClean="0"/>
+              <a:rPr lang="de-DE" dirty="0"/>
               <a:t>Ventilstellung über maximale Vorlauftemperatur primärseitig der Module am Verteiler</a:t>
             </a:r>
           </a:p>
@@ -24953,7 +24980,7 @@
               <a:buChar char="•"/>
             </a:pPr>
             <a:r>
-              <a:rPr lang="de-DE" dirty="0" smtClean="0"/>
+              <a:rPr lang="de-DE" dirty="0"/>
               <a:t>Durch fehlende Modellierung einzelner Module keine Information über die Temperaturen aller Module</a:t>
             </a:r>
           </a:p>
@@ -24963,25 +24990,25 @@
               <a:buChar char="•"/>
             </a:pPr>
             <a:r>
-              <a:rPr lang="de-DE" dirty="0" smtClean="0"/>
+              <a:rPr lang="de-DE" dirty="0"/>
               <a:t>Nach Monitoring scheint die CPH oder TFH (Test Facility </a:t>
             </a:r>
             <a:r>
-              <a:rPr lang="de-DE" dirty="0" err="1" smtClean="0"/>
+              <a:rPr lang="de-DE" dirty="0" err="1"/>
               <a:t>Heat</a:t>
             </a:r>
             <a:r>
-              <a:rPr lang="de-DE" dirty="0" smtClean="0"/>
+              <a:rPr lang="de-DE" dirty="0"/>
               <a:t> </a:t>
             </a:r>
             <a:r>
-              <a:rPr lang="de-DE" dirty="0" smtClean="0">
+              <a:rPr lang="de-DE" dirty="0">
                 <a:sym typeface="Wingdings" panose="05000000000000000000" pitchFamily="2" charset="2"/>
               </a:rPr>
               <a:t> hier gar nicht abgebildet) die vorgebende maximal Temperatur zu benötigen </a:t>
             </a:r>
             <a:r>
-              <a:rPr lang="de-DE" dirty="0" smtClean="0">
+              <a:rPr lang="de-DE" dirty="0">
                 <a:solidFill>
                   <a:schemeClr val="accent1"/>
                 </a:solidFill>
@@ -25043,10 +25070,9 @@
           <a:lstStyle/>
           <a:p>
             <a:r>
-              <a:rPr lang="de-DE" dirty="0" smtClean="0"/>
+              <a:rPr lang="de-DE" dirty="0"/>
               <a:t>AHU – raumlufttechnische Anlage</a:t>
             </a:r>
-            <a:endParaRPr lang="de-DE" dirty="0"/>
           </a:p>
         </p:txBody>
       </p:sp>
@@ -25075,19 +25101,19 @@
               <a:buChar char="•"/>
             </a:pPr>
             <a:r>
-              <a:rPr lang="de-DE" dirty="0" smtClean="0"/>
+              <a:rPr lang="de-DE" dirty="0"/>
               <a:t>Ventilstellung von (Vor-,Nach-) Erhitzer und Kühler wird nach einer vorgegebenen </a:t>
             </a:r>
             <a:r>
-              <a:rPr lang="de-DE" dirty="0" err="1" smtClean="0"/>
+              <a:rPr lang="de-DE" dirty="0" err="1"/>
               <a:t>Zulufttemperatur</a:t>
             </a:r>
             <a:r>
-              <a:rPr lang="de-DE" dirty="0" smtClean="0"/>
+              <a:rPr lang="de-DE" dirty="0"/>
               <a:t> </a:t>
             </a:r>
             <a:r>
-              <a:rPr lang="de-DE" b="1" dirty="0" smtClean="0">
+              <a:rPr lang="de-DE" b="1" dirty="0">
                 <a:solidFill>
                   <a:schemeClr val="accent1"/>
                 </a:solidFill>
@@ -25095,7 +25121,7 @@
               <a:t>T_SUP </a:t>
             </a:r>
             <a:r>
-              <a:rPr lang="de-DE" dirty="0" smtClean="0"/>
+              <a:rPr lang="de-DE" dirty="0"/>
               <a:t>(37°C) eingestellt </a:t>
             </a:r>
           </a:p>
@@ -25105,10 +25131,60 @@
               <a:buChar char="•"/>
             </a:pPr>
             <a:r>
-              <a:rPr lang="de-DE" dirty="0" smtClean="0"/>
+              <a:rPr lang="de-DE" dirty="0"/>
               <a:t>Drehzahlen konstant</a:t>
             </a:r>
+          </a:p>
+          <a:p>
+            <a:pPr marL="285750" indent="-285750">
+              <a:buFont typeface="Arial" panose="020B0604020202020204" pitchFamily="34" charset="0"/>
+              <a:buChar char="•"/>
+            </a:pPr>
             <a:endParaRPr lang="de-DE" dirty="0"/>
+          </a:p>
+          <a:p>
+            <a:pPr marL="285750" indent="-285750">
+              <a:buFont typeface="Arial" panose="020B0604020202020204" pitchFamily="34" charset="0"/>
+              <a:buChar char="•"/>
+            </a:pPr>
+            <a:r>
+              <a:rPr lang="de-DE" dirty="0">
+                <a:solidFill>
+                  <a:srgbClr val="FF0000"/>
+                </a:solidFill>
+              </a:rPr>
+              <a:t>Anmerkung </a:t>
+            </a:r>
+            <a:r>
+              <a:rPr lang="de-DE" dirty="0" err="1">
+                <a:solidFill>
+                  <a:srgbClr val="FF0000"/>
+                </a:solidFill>
+              </a:rPr>
+              <a:t>fse</a:t>
+            </a:r>
+            <a:r>
+              <a:rPr lang="de-DE" dirty="0">
+                <a:solidFill>
+                  <a:srgbClr val="FF0000"/>
+                </a:solidFill>
+              </a:rPr>
+              <a:t>:</a:t>
+            </a:r>
+          </a:p>
+          <a:p>
+            <a:pPr marL="717750" lvl="1" indent="-285750">
+              <a:buFont typeface="Arial" panose="020B0604020202020204" pitchFamily="34" charset="0"/>
+              <a:buChar char="•"/>
+            </a:pPr>
+            <a:r>
+              <a:rPr lang="de-DE" dirty="0">
+                <a:solidFill>
+                  <a:srgbClr val="FF0000"/>
+                </a:solidFill>
+              </a:rPr>
+              <a:t>Regelung der AHU in generellen Regelungsblock übernehmen</a:t>
+            </a:r>
           </a:p>
         </p:txBody>
       </p:sp>
@@ -25179,7 +25255,7 @@
             <a:lstStyle/>
             <a:p>
               <a:r>
-                <a:rPr lang="de-DE" sz="1400" dirty="0" smtClean="0"/>
+                <a:rPr lang="de-DE" sz="1400" dirty="0"/>
                 <a:t>Umgebungsluft (ODA)</a:t>
               </a:r>
             </a:p>
@@ -25208,7 +25284,7 @@
             <a:lstStyle/>
             <a:p>
               <a:r>
-                <a:rPr lang="de-DE" sz="1400" dirty="0" smtClean="0"/>
+                <a:rPr lang="de-DE" sz="1400" dirty="0"/>
                 <a:t>Zuluft (SUP)</a:t>
               </a:r>
             </a:p>
@@ -25338,7 +25414,7 @@
             <a:lstStyle/>
             <a:p>
               <a:r>
-                <a:rPr lang="de-DE" sz="1400" dirty="0" smtClean="0"/>
+                <a:rPr lang="de-DE" sz="1400" dirty="0"/>
                 <a:t>Abluft (RET oder ETA)</a:t>
               </a:r>
             </a:p>
@@ -25400,7 +25476,7 @@
             <a:lstStyle/>
             <a:p>
               <a:r>
-                <a:rPr lang="de-DE" sz="1400" dirty="0" smtClean="0"/>
+                <a:rPr lang="de-DE" sz="1400" dirty="0"/>
                 <a:t>Fortluft (EXH oder EHA)</a:t>
               </a:r>
             </a:p>
@@ -25430,7 +25506,7 @@
           <a:lstStyle/>
           <a:p>
             <a:r>
-              <a:rPr lang="de-DE" sz="1400" dirty="0" smtClean="0"/>
+              <a:rPr lang="de-DE" sz="1400" dirty="0"/>
               <a:t>Wärmerückgewinnung</a:t>
             </a:r>
           </a:p>
@@ -25494,7 +25570,7 @@
           <a:lstStyle/>
           <a:p>
             <a:r>
-              <a:rPr lang="de-DE" sz="1400" dirty="0" smtClean="0"/>
+              <a:rPr lang="de-DE" sz="1400" dirty="0"/>
               <a:t>Vorerhitzer</a:t>
             </a:r>
           </a:p>
@@ -25523,7 +25599,7 @@
           <a:lstStyle/>
           <a:p>
             <a:r>
-              <a:rPr lang="de-DE" sz="1400" dirty="0" smtClean="0"/>
+              <a:rPr lang="de-DE" sz="1400" dirty="0"/>
               <a:t>Kühler</a:t>
             </a:r>
           </a:p>
@@ -25552,7 +25628,7 @@
           <a:lstStyle/>
           <a:p>
             <a:r>
-              <a:rPr lang="de-DE" sz="1400" dirty="0" smtClean="0"/>
+              <a:rPr lang="de-DE" sz="1400" dirty="0"/>
               <a:t>(Nach-) Erhitzer</a:t>
             </a:r>
           </a:p>
@@ -25647,42 +25723,38 @@
           <a:lstStyle/>
           <a:p>
             <a:r>
-              <a:rPr lang="de-DE" sz="1400" dirty="0" smtClean="0"/>
+              <a:rPr lang="de-DE" sz="1400" dirty="0"/>
               <a:t>Fans</a:t>
             </a:r>
           </a:p>
           <a:p>
             <a:r>
-              <a:rPr lang="de-DE" sz="1400" dirty="0" smtClean="0"/>
+              <a:rPr lang="de-DE" sz="1400" dirty="0"/>
               <a:t>Stellen Volumenstrom</a:t>
             </a:r>
           </a:p>
           <a:p>
             <a:r>
               <a:rPr lang="de-DE" sz="1400" dirty="0"/>
-              <a:t>d</a:t>
-            </a:r>
-            <a:r>
-              <a:rPr lang="de-DE" sz="1400" dirty="0" smtClean="0"/>
-              <a:t>urch die RLT-Anlage ein</a:t>
-            </a:r>
-          </a:p>
-          <a:p>
-            <a:r>
-              <a:rPr lang="de-DE" sz="1400" dirty="0" smtClean="0"/>
+              <a:t>durch die RLT-Anlage ein</a:t>
+            </a:r>
+          </a:p>
+          <a:p>
+            <a:r>
+              <a:rPr lang="de-DE" sz="1400" dirty="0"/>
               <a:t>(</a:t>
             </a:r>
             <a:r>
-              <a:rPr lang="de-DE" sz="1400" dirty="0" err="1" smtClean="0"/>
+              <a:rPr lang="de-DE" sz="1400" dirty="0" err="1"/>
               <a:t>konst</a:t>
             </a:r>
             <a:r>
-              <a:rPr lang="de-DE" sz="1400" dirty="0" smtClean="0"/>
+              <a:rPr lang="de-DE" sz="1400" dirty="0"/>
               <a:t>. auf 3,08 m³/s)</a:t>
             </a:r>
           </a:p>
           <a:p>
-            <a:endParaRPr lang="de-DE" sz="1400" dirty="0" smtClean="0"/>
+            <a:endParaRPr lang="de-DE" sz="1400" dirty="0"/>
           </a:p>
         </p:txBody>
       </p:sp>
@@ -25709,7 +25781,7 @@
           <a:lstStyle/>
           <a:p>
             <a:r>
-              <a:rPr lang="de-DE" sz="1400" b="1" dirty="0" smtClean="0">
+              <a:rPr lang="de-DE" sz="1400" b="1" dirty="0">
                 <a:solidFill>
                   <a:schemeClr val="accent1"/>
                 </a:solidFill>
@@ -25765,18 +25837,17 @@
           <a:lstStyle/>
           <a:p>
             <a:r>
-              <a:rPr lang="de-DE" dirty="0" smtClean="0"/>
+              <a:rPr lang="de-DE" dirty="0"/>
               <a:t>Thermische Zone – </a:t>
             </a:r>
             <a:r>
-              <a:rPr lang="de-DE" dirty="0" err="1" smtClean="0"/>
+              <a:rPr lang="de-DE" dirty="0" err="1"/>
               <a:t>Testhall</a:t>
             </a:r>
             <a:r>
-              <a:rPr lang="de-DE" dirty="0" smtClean="0"/>
+              <a:rPr lang="de-DE" dirty="0"/>
               <a:t> (Halle 1)</a:t>
             </a:r>
-            <a:endParaRPr lang="de-DE" dirty="0"/>
           </a:p>
         </p:txBody>
       </p:sp>
@@ -25800,7 +25871,7 @@
               <a:buChar char="•"/>
             </a:pPr>
             <a:r>
-              <a:rPr lang="de-DE" dirty="0" smtClean="0"/>
+              <a:rPr lang="de-DE" dirty="0"/>
               <a:t>Thermische Zone mit TEASER parametriert</a:t>
             </a:r>
           </a:p>
@@ -25810,42 +25881,38 @@
               <a:buChar char="•"/>
             </a:pPr>
             <a:r>
-              <a:rPr lang="de-DE" dirty="0" smtClean="0"/>
-              <a:t>Informationen (Skripte, Datenzusammenfassung</a:t>
-            </a:r>
-            <a:r>
               <a:rPr lang="de-DE" dirty="0"/>
-              <a:t>) unter: </a:t>
-            </a:r>
-            <a:r>
-              <a:rPr lang="de-DE" dirty="0" err="1" smtClean="0"/>
+              <a:t>Informationen (Skripte, Datenzusammenfassung) unter: </a:t>
+            </a:r>
+            <a:r>
+              <a:rPr lang="de-DE" dirty="0" err="1"/>
               <a:t>AixLib</a:t>
             </a:r>
             <a:r>
-              <a:rPr lang="de-DE" dirty="0" smtClean="0"/>
+              <a:rPr lang="de-DE" dirty="0"/>
               <a:t>\Systems\</a:t>
             </a:r>
             <a:r>
-              <a:rPr lang="de-DE" dirty="0" err="1" smtClean="0"/>
+              <a:rPr lang="de-DE" dirty="0" err="1"/>
               <a:t>EONERC_Testhall</a:t>
             </a:r>
             <a:r>
-              <a:rPr lang="de-DE" dirty="0" smtClean="0"/>
+              <a:rPr lang="de-DE" dirty="0"/>
               <a:t>\</a:t>
             </a:r>
             <a:r>
-              <a:rPr lang="de-DE" dirty="0" err="1" smtClean="0"/>
+              <a:rPr lang="de-DE" dirty="0" err="1"/>
               <a:t>ThermalZone</a:t>
             </a:r>
             <a:r>
-              <a:rPr lang="de-DE" dirty="0" smtClean="0"/>
+              <a:rPr lang="de-DE" dirty="0"/>
               <a:t>\</a:t>
             </a:r>
             <a:r>
-              <a:rPr lang="de-DE" dirty="0" err="1" smtClean="0"/>
+              <a:rPr lang="de-DE" dirty="0" err="1"/>
               <a:t>GenerateThermalzone</a:t>
             </a:r>
-            <a:endParaRPr lang="de-DE" dirty="0" smtClean="0"/>
+            <a:endParaRPr lang="de-DE" dirty="0"/>
           </a:p>
           <a:p>
             <a:pPr marL="285750" indent="-285750">
@@ -25853,7 +25920,7 @@
               <a:buChar char="•"/>
             </a:pPr>
             <a:r>
-              <a:rPr lang="de-DE" dirty="0" smtClean="0"/>
+              <a:rPr lang="de-DE" dirty="0"/>
               <a:t>Fehlende Informationen durch Annahmen ergänzt (Vermerk im Skript) </a:t>
             </a:r>
           </a:p>
@@ -25863,7 +25930,7 @@
               <a:buChar char="•"/>
             </a:pPr>
             <a:r>
-              <a:rPr lang="de-DE" dirty="0" smtClean="0"/>
+              <a:rPr lang="de-DE" dirty="0"/>
               <a:t>Zusätzliche Änderungen des Records per Hand im Modell überschrieben</a:t>
             </a:r>
           </a:p>
@@ -25873,15 +25940,15 @@
               <a:buChar char="•"/>
             </a:pPr>
             <a:r>
-              <a:rPr lang="de-DE" dirty="0" smtClean="0"/>
+              <a:rPr lang="de-DE" dirty="0"/>
               <a:t>u.a. Anpassen der Parameter für die internal </a:t>
             </a:r>
             <a:r>
-              <a:rPr lang="de-DE" dirty="0" err="1" smtClean="0"/>
+              <a:rPr lang="de-DE" dirty="0" err="1"/>
               <a:t>Gains</a:t>
             </a:r>
             <a:r>
-              <a:rPr lang="de-DE" dirty="0" smtClean="0"/>
+              <a:rPr lang="de-DE" dirty="0"/>
               <a:t> (Licht, Maschinen, Menschen), da zuvor Wärmeströme deutlich zu hoch waren</a:t>
             </a:r>
           </a:p>
@@ -25891,31 +25958,31 @@
               <a:buChar char="•"/>
             </a:pPr>
             <a:r>
-              <a:rPr lang="de-DE" dirty="0" smtClean="0"/>
+              <a:rPr lang="de-DE" dirty="0"/>
               <a:t>Anpassen des </a:t>
             </a:r>
             <a:r>
-              <a:rPr lang="de-DE" dirty="0" err="1" smtClean="0"/>
+              <a:rPr lang="de-DE" dirty="0" err="1"/>
               <a:t>ATransparent</a:t>
             </a:r>
             <a:r>
-              <a:rPr lang="de-DE" dirty="0" smtClean="0"/>
+              <a:rPr lang="de-DE" dirty="0"/>
               <a:t> (keine Fenster in der Halle, jedoch setzen auf einen kleinen Wert, um Fehlermeldung </a:t>
             </a:r>
             <a:r>
-              <a:rPr lang="de-DE" dirty="0" err="1" smtClean="0"/>
+              <a:rPr lang="de-DE" dirty="0" err="1"/>
               <a:t>bzgl</a:t>
             </a:r>
             <a:r>
-              <a:rPr lang="de-DE" dirty="0" smtClean="0"/>
+              <a:rPr lang="de-DE" dirty="0"/>
               <a:t> </a:t>
             </a:r>
             <a:r>
-              <a:rPr lang="de-DE" dirty="0" err="1" smtClean="0"/>
+              <a:rPr lang="de-DE" dirty="0" err="1"/>
               <a:t>sunblindes</a:t>
             </a:r>
             <a:r>
-              <a:rPr lang="de-DE" dirty="0" smtClean="0"/>
+              <a:rPr lang="de-DE" dirty="0"/>
               <a:t> zu umgehen)</a:t>
             </a:r>
           </a:p>
@@ -25932,7 +25999,7 @@
               <a:buChar char="•"/>
             </a:pPr>
             <a:r>
-              <a:rPr lang="de-DE" dirty="0" smtClean="0">
+              <a:rPr lang="de-DE" dirty="0">
                 <a:solidFill>
                   <a:srgbClr val="FF0000"/>
                 </a:solidFill>
@@ -25940,10 +26007,9 @@
               <a:t>Beim Plausibilitätscheck womöglich weitere Anpassungen des Records erforderlich </a:t>
             </a:r>
             <a:r>
-              <a:rPr lang="de-DE" dirty="0" smtClean="0"/>
+              <a:rPr lang="de-DE" dirty="0"/>
               <a:t>(könnte sein, dass Wärmeverluste über Wände und Boden zu gering sind)</a:t>
             </a:r>
-            <a:endParaRPr lang="de-DE" dirty="0"/>
           </a:p>
         </p:txBody>
       </p:sp>
@@ -25993,10 +26059,9 @@
           <a:lstStyle/>
           <a:p>
             <a:r>
-              <a:rPr lang="de-DE" dirty="0" smtClean="0"/>
+              <a:rPr lang="de-DE" dirty="0"/>
               <a:t>CID – Deckeninduktionsdiffusor (DID)</a:t>
             </a:r>
-            <a:endParaRPr lang="de-DE" dirty="0"/>
           </a:p>
         </p:txBody>
       </p:sp>
@@ -26020,22 +26085,22 @@
               <a:buChar char="•"/>
             </a:pPr>
             <a:r>
-              <a:rPr lang="de-DE" dirty="0" smtClean="0"/>
+              <a:rPr lang="de-DE" dirty="0"/>
               <a:t>CID vereinfacht dargestellt </a:t>
             </a:r>
             <a:r>
-              <a:rPr lang="de-DE" dirty="0" err="1" smtClean="0"/>
+              <a:rPr lang="de-DE" dirty="0" err="1"/>
               <a:t>BaseClass</a:t>
             </a:r>
             <a:r>
-              <a:rPr lang="de-DE" dirty="0" smtClean="0"/>
+              <a:rPr lang="de-DE" dirty="0"/>
               <a:t>/CID/</a:t>
             </a:r>
             <a:r>
-              <a:rPr lang="de-DE" dirty="0" err="1" smtClean="0"/>
+              <a:rPr lang="de-DE" dirty="0" err="1"/>
               <a:t>CID_approx</a:t>
             </a:r>
-            <a:endParaRPr lang="de-DE" dirty="0" smtClean="0"/>
+            <a:endParaRPr lang="de-DE" dirty="0"/>
           </a:p>
           <a:p>
             <a:pPr marL="717750" lvl="1" indent="-285750">
@@ -26043,7 +26108,7 @@
               <a:buChar char="•"/>
             </a:pPr>
             <a:r>
-              <a:rPr lang="de-DE" dirty="0" smtClean="0"/>
+              <a:rPr lang="de-DE" dirty="0"/>
               <a:t>Luftseitig als Senke und Quelle mit Lufttemperatur der Büros gemittelt aus dem Monitoring</a:t>
             </a:r>
           </a:p>
@@ -26053,17 +26118,16 @@
               <a:buChar char="•"/>
             </a:pPr>
             <a:r>
-              <a:rPr lang="de-DE" dirty="0" smtClean="0"/>
+              <a:rPr lang="de-DE" dirty="0"/>
               <a:t>Wasserseitig mit einem Consumer, der einen Wärmestrom aus dem Wasserkreislauf entzieht (Werte grob approximiert aus Daten des Monitoring)</a:t>
             </a:r>
-            <a:endParaRPr lang="de-DE" dirty="0"/>
           </a:p>
           <a:p>
             <a:pPr marL="285750" indent="-285750">
               <a:buFont typeface="Arial" panose="020B0604020202020204" pitchFamily="34" charset="0"/>
               <a:buChar char="•"/>
             </a:pPr>
-            <a:endParaRPr lang="de-DE" dirty="0" smtClean="0"/>
+            <a:endParaRPr lang="de-DE" dirty="0"/>
           </a:p>
           <a:p>
             <a:pPr marL="285750" indent="-285750">
@@ -26071,26 +26135,17 @@
               <a:buChar char="•"/>
             </a:pPr>
             <a:r>
-              <a:rPr lang="de-DE" dirty="0" smtClean="0"/>
-              <a:t>Sollte CID </a:t>
-            </a:r>
-            <a:r>
               <a:rPr lang="de-DE" dirty="0"/>
-              <a:t>als detailliertes Modell implementiert </a:t>
-            </a:r>
-            <a:r>
-              <a:rPr lang="de-DE" dirty="0" smtClean="0"/>
-              <a:t>werden (</a:t>
-            </a:r>
-            <a:r>
-              <a:rPr lang="de-DE" dirty="0" err="1" smtClean="0"/>
+              <a:t>Sollte CID als detailliertes Modell implementiert werden (</a:t>
+            </a:r>
+            <a:r>
+              <a:rPr lang="de-DE" dirty="0" err="1"/>
               <a:t>BaseClass</a:t>
             </a:r>
             <a:r>
-              <a:rPr lang="de-DE" dirty="0" smtClean="0"/>
+              <a:rPr lang="de-DE" dirty="0"/>
               <a:t>/CID/CID)</a:t>
             </a:r>
-            <a:endParaRPr lang="de-DE" dirty="0"/>
           </a:p>
           <a:p>
             <a:pPr marL="717750" lvl="1" indent="-285750">
@@ -26098,7 +26153,7 @@
               <a:buChar char="•"/>
             </a:pPr>
             <a:r>
-              <a:rPr lang="de-DE" dirty="0" err="1" smtClean="0"/>
+              <a:rPr lang="de-DE" dirty="0" err="1"/>
               <a:t>cid_Valve</a:t>
             </a:r>
             <a:r>
@@ -26185,13 +26240,7 @@
               <a:rPr lang="de-DE" dirty="0">
                 <a:sym typeface="Wingdings" panose="05000000000000000000" pitchFamily="2" charset="2"/>
               </a:rPr>
-              <a:t>=2,52 (STAD_IN_DE_low.pdf DN15/14 Anzahl Umdrehungen=4</a:t>
-            </a:r>
-            <a:r>
-              <a:rPr lang="de-DE" dirty="0" smtClean="0">
-                <a:sym typeface="Wingdings" panose="05000000000000000000" pitchFamily="2" charset="2"/>
-              </a:rPr>
-              <a:t>)</a:t>
+              <a:t>=2,52 (STAD_IN_DE_low.pdf DN15/14 Anzahl Umdrehungen=4)</a:t>
             </a:r>
           </a:p>
           <a:p>
@@ -26200,13 +26249,100 @@
               <a:buChar char="•"/>
             </a:pPr>
             <a:r>
-              <a:rPr lang="de-DE" dirty="0" smtClean="0">
+              <a:rPr lang="de-DE" dirty="0">
                 <a:solidFill>
                   <a:schemeClr val="tx2"/>
                 </a:solidFill>
                 <a:sym typeface="Wingdings" panose="05000000000000000000" pitchFamily="2" charset="2"/>
               </a:rPr>
               <a:t>Daten müssten nochmal gegengeprüft werden</a:t>
+            </a:r>
+          </a:p>
+          <a:p>
+            <a:pPr marL="717750" lvl="1" indent="-285750">
+              <a:buFont typeface="Arial" panose="020B0604020202020204" pitchFamily="34" charset="0"/>
+              <a:buChar char="•"/>
+            </a:pPr>
+            <a:endParaRPr lang="de-DE" dirty="0">
+              <a:solidFill>
+                <a:schemeClr val="tx2"/>
+              </a:solidFill>
+              <a:sym typeface="Wingdings" panose="05000000000000000000" pitchFamily="2" charset="2"/>
+            </a:endParaRPr>
+          </a:p>
+          <a:p>
+            <a:pPr marL="717750" lvl="1" indent="-285750">
+              <a:buFont typeface="Arial" panose="020B0604020202020204" pitchFamily="34" charset="0"/>
+              <a:buChar char="•"/>
+            </a:pPr>
+            <a:endParaRPr lang="de-DE" dirty="0">
+              <a:solidFill>
+                <a:schemeClr val="tx2"/>
+              </a:solidFill>
+              <a:sym typeface="Wingdings" panose="05000000000000000000" pitchFamily="2" charset="2"/>
+            </a:endParaRPr>
+          </a:p>
+          <a:p>
+            <a:pPr marL="285750" indent="-285750">
+              <a:buFont typeface="Arial" panose="020B0604020202020204" pitchFamily="34" charset="0"/>
+              <a:buChar char="•"/>
+            </a:pPr>
+            <a:r>
+              <a:rPr lang="de-DE" dirty="0">
+                <a:solidFill>
+                  <a:schemeClr val="tx2"/>
+                </a:solidFill>
+                <a:sym typeface="Wingdings" panose="05000000000000000000" pitchFamily="2" charset="2"/>
+              </a:rPr>
+              <a:t>Anmerkung </a:t>
+            </a:r>
+            <a:r>
+              <a:rPr lang="de-DE" dirty="0" err="1">
+                <a:solidFill>
+                  <a:schemeClr val="tx2"/>
+                </a:solidFill>
+                <a:sym typeface="Wingdings" panose="05000000000000000000" pitchFamily="2" charset="2"/>
+              </a:rPr>
+              <a:t>fse</a:t>
+            </a:r>
+            <a:r>
+              <a:rPr lang="de-DE" dirty="0">
+                <a:solidFill>
+                  <a:schemeClr val="tx2"/>
+                </a:solidFill>
+                <a:sym typeface="Wingdings" panose="05000000000000000000" pitchFamily="2" charset="2"/>
+              </a:rPr>
+              <a:t>:</a:t>
+            </a:r>
+          </a:p>
+          <a:p>
+            <a:pPr marL="717750" lvl="1" indent="-285750">
+              <a:buFont typeface="Arial" panose="020B0604020202020204" pitchFamily="34" charset="0"/>
+              <a:buChar char="•"/>
+            </a:pPr>
+            <a:r>
+              <a:rPr lang="de-DE" dirty="0">
+                <a:solidFill>
+                  <a:schemeClr val="tx2"/>
+                </a:solidFill>
+                <a:sym typeface="Wingdings" panose="05000000000000000000" pitchFamily="2" charset="2"/>
+              </a:rPr>
+              <a:t>Hydraulische Schaltung sollte in CID vorgesehen werden</a:t>
+            </a:r>
+          </a:p>
+          <a:p>
+            <a:pPr marL="717750" lvl="1" indent="-285750">
+              <a:buFont typeface="Arial" panose="020B0604020202020204" pitchFamily="34" charset="0"/>
+              <a:buChar char="•"/>
+            </a:pPr>
+            <a:r>
+              <a:rPr lang="de-DE" dirty="0">
+                <a:solidFill>
+                  <a:schemeClr val="tx2"/>
+                </a:solidFill>
+                <a:sym typeface="Wingdings" panose="05000000000000000000" pitchFamily="2" charset="2"/>
+              </a:rPr>
+              <a:t>Regelung für Supply Temperatur vorsehen</a:t>
             </a:r>
             <a:endParaRPr lang="de-DE" dirty="0">
               <a:solidFill>
@@ -26265,11 +26401,11 @@
           <a:lstStyle/>
           <a:p>
             <a:r>
-              <a:rPr lang="de-DE" dirty="0" smtClean="0"/>
+              <a:rPr lang="de-DE" dirty="0"/>
               <a:t>JN – Jet </a:t>
             </a:r>
             <a:r>
-              <a:rPr lang="de-DE" dirty="0" err="1" smtClean="0"/>
+              <a:rPr lang="de-DE" dirty="0" err="1"/>
               <a:t>Nozzle</a:t>
             </a:r>
             <a:endParaRPr lang="de-DE" dirty="0"/>
@@ -26296,15 +26432,15 @@
               <a:buChar char="•"/>
             </a:pPr>
             <a:r>
-              <a:rPr lang="de-DE" dirty="0" smtClean="0"/>
+              <a:rPr lang="de-DE" dirty="0"/>
               <a:t>JN aktuell vereinfacht als Verbindung zwischen AHU und Thermischer Zone modelliert (</a:t>
             </a:r>
             <a:r>
-              <a:rPr lang="de-DE" dirty="0" err="1" smtClean="0"/>
+              <a:rPr lang="de-DE" dirty="0" err="1"/>
               <a:t>JN_control_T_Hall</a:t>
             </a:r>
             <a:r>
-              <a:rPr lang="de-DE" dirty="0" smtClean="0"/>
+              <a:rPr lang="de-DE" dirty="0"/>
               <a:t>)</a:t>
             </a:r>
           </a:p>
@@ -26314,7 +26450,7 @@
               <a:buChar char="•"/>
             </a:pPr>
             <a:r>
-              <a:rPr lang="de-DE" dirty="0" smtClean="0"/>
+              <a:rPr lang="de-DE" dirty="0"/>
               <a:t>Regelung der Hallen-Solltemperatur über eine Klappe  </a:t>
             </a:r>
           </a:p>
@@ -26331,23 +26467,23 @@
               <a:buChar char="•"/>
             </a:pPr>
             <a:r>
-              <a:rPr lang="de-DE" dirty="0" smtClean="0"/>
+              <a:rPr lang="de-DE" dirty="0"/>
               <a:t>Sollte JN als detailliertes Modell implementiert werden, muss die verbaute Pumpe </a:t>
             </a:r>
             <a:r>
-              <a:rPr lang="de-DE" dirty="0" err="1" smtClean="0"/>
+              <a:rPr lang="de-DE" dirty="0" err="1"/>
               <a:t>Wilo</a:t>
             </a:r>
             <a:r>
-              <a:rPr lang="de-DE" dirty="0" smtClean="0"/>
+              <a:rPr lang="de-DE" dirty="0"/>
               <a:t> Stratos MAXO 30/0.5-6 in die </a:t>
             </a:r>
             <a:r>
-              <a:rPr lang="de-DE" dirty="0" err="1" smtClean="0"/>
+              <a:rPr lang="de-DE" dirty="0" err="1"/>
               <a:t>AixLib</a:t>
             </a:r>
             <a:r>
-              <a:rPr lang="de-DE" dirty="0" smtClean="0"/>
+              <a:rPr lang="de-DE" dirty="0"/>
               <a:t> hinzugefügt werden</a:t>
             </a:r>
           </a:p>
@@ -26357,23 +26493,23 @@
               <a:buChar char="•"/>
             </a:pPr>
             <a:r>
-              <a:rPr lang="de-DE" dirty="0" smtClean="0"/>
+              <a:rPr lang="de-DE" dirty="0"/>
               <a:t>Erste Modellierungsidee enthalten in </a:t>
             </a:r>
             <a:r>
-              <a:rPr lang="de-DE" dirty="0" err="1" smtClean="0"/>
+              <a:rPr lang="de-DE" dirty="0" err="1"/>
               <a:t>BaseClass</a:t>
             </a:r>
             <a:r>
-              <a:rPr lang="de-DE" dirty="0" smtClean="0"/>
+              <a:rPr lang="de-DE" dirty="0"/>
               <a:t>/</a:t>
             </a:r>
             <a:r>
-              <a:rPr lang="de-DE" dirty="0" err="1" smtClean="0"/>
+              <a:rPr lang="de-DE" dirty="0" err="1"/>
               <a:t>JetNozzle</a:t>
             </a:r>
             <a:r>
-              <a:rPr lang="de-DE" dirty="0" smtClean="0"/>
+              <a:rPr lang="de-DE" dirty="0"/>
               <a:t>/JN</a:t>
             </a:r>
           </a:p>
@@ -26383,7 +26519,7 @@
               <a:buChar char="•"/>
             </a:pPr>
             <a:r>
-              <a:rPr lang="de-DE" dirty="0" smtClean="0"/>
+              <a:rPr lang="de-DE" dirty="0"/>
               <a:t>JN im Realsystem nur noch an den Kühlwasser Verteiler angeschlossen</a:t>
             </a:r>
           </a:p>

--- a/AixLib/Systems/EONERC_Testhall/Assumptions_and_Modelling.pptx
+++ b/AixLib/Systems/EONERC_Testhall/Assumptions_and_Modelling.pptx
@@ -12070,7 +12070,7 @@
               <a:pPr>
                 <a:defRPr/>
               </a:pPr>
-              <a:t>23.01.2024</a:t>
+              <a:t>25.01.2024</a:t>
             </a:fld>
             <a:endParaRPr lang="de-DE" sz="1000" dirty="0">
               <a:latin typeface="Arial" pitchFamily="34" charset="0"/>
@@ -12299,7 +12299,7 @@
               <a:pPr>
                 <a:defRPr/>
               </a:pPr>
-              <a:t>23.01.2024</a:t>
+              <a:t>25.01.2024</a:t>
             </a:fld>
             <a:endParaRPr lang="de-DE" dirty="0"/>
           </a:p>
@@ -22048,21 +22048,77 @@
                   <a:srgbClr val="FF0000"/>
                 </a:solidFill>
               </a:rPr>
-              <a:t> verbinden und simulationsfähige Modelle der </a:t>
-            </a:r>
-            <a:r>
-              <a:rPr lang="de-DE">
+              <a:t> verbinden und simulationsfähige Modelle der Subsysteme erstellen</a:t>
+            </a:r>
+          </a:p>
+          <a:p>
+            <a:pPr marL="717750" lvl="1" indent="-285750">
+              <a:buFont typeface="Arial" panose="020B0604020202020204" pitchFamily="34" charset="0"/>
+              <a:buChar char="•"/>
+            </a:pPr>
+            <a:r>
+              <a:rPr lang="de-DE" dirty="0">
                 <a:solidFill>
                   <a:srgbClr val="FF0000"/>
                 </a:solidFill>
               </a:rPr>
-              <a:t>Subsysteme erstellen</a:t>
-            </a:r>
+              <a:t>Für Winter- und Sommerbedingungen jeweils ein </a:t>
+            </a:r>
+            <a:r>
+              <a:rPr lang="de-DE" dirty="0" err="1">
+                <a:solidFill>
+                  <a:srgbClr val="FF0000"/>
+                </a:solidFill>
+              </a:rPr>
+              <a:t>Example</a:t>
+            </a:r>
+            <a:r>
+              <a:rPr lang="de-DE" dirty="0">
+                <a:solidFill>
+                  <a:srgbClr val="FF0000"/>
+                </a:solidFill>
+              </a:rPr>
+              <a:t> (kurze Zeiteinheiten)</a:t>
+            </a:r>
+          </a:p>
+          <a:p>
+            <a:pPr marL="717750" lvl="1" indent="-285750">
+              <a:buFont typeface="Arial" panose="020B0604020202020204" pitchFamily="34" charset="0"/>
+              <a:buChar char="•"/>
+            </a:pPr>
+            <a:r>
+              <a:rPr lang="de-DE" dirty="0">
+                <a:solidFill>
+                  <a:srgbClr val="FF0000"/>
+                </a:solidFill>
+              </a:rPr>
+              <a:t>Für Kalibrierung/Validierung verwenden</a:t>
+            </a:r>
+          </a:p>
+          <a:p>
+            <a:pPr marL="717750" lvl="1" indent="-285750">
+              <a:buFont typeface="Arial" panose="020B0604020202020204" pitchFamily="34" charset="0"/>
+              <a:buChar char="•"/>
+            </a:pPr>
             <a:endParaRPr lang="de-DE" dirty="0">
               <a:solidFill>
                 <a:srgbClr val="FF0000"/>
               </a:solidFill>
             </a:endParaRPr>
+          </a:p>
+          <a:p>
+            <a:pPr marL="717750" lvl="1" indent="-285750">
+              <a:buFont typeface="Arial" panose="020B0604020202020204" pitchFamily="34" charset="0"/>
+              <a:buChar char="•"/>
+            </a:pPr>
+            <a:r>
+              <a:rPr lang="de-DE" dirty="0">
+                <a:solidFill>
+                  <a:srgbClr val="FF0000"/>
+                </a:solidFill>
+              </a:rPr>
+              <a:t>Sauberes Propagieren der Parameter</a:t>
+            </a:r>
           </a:p>
         </p:txBody>
       </p:sp>
@@ -24646,19 +24702,7 @@
               <a:rPr lang="de-DE" dirty="0">
                 <a:sym typeface="Wingdings" panose="05000000000000000000" pitchFamily="2" charset="2"/>
               </a:rPr>
-              <a:t> – </a:t>
-            </a:r>
-            <a:r>
-              <a:rPr lang="de-DE" dirty="0" err="1">
-                <a:sym typeface="Wingdings" panose="05000000000000000000" pitchFamily="2" charset="2"/>
-              </a:rPr>
-              <a:t>Verlegeplan</a:t>
-            </a:r>
-            <a:r>
-              <a:rPr lang="de-DE" dirty="0">
-                <a:sym typeface="Wingdings" panose="05000000000000000000" pitchFamily="2" charset="2"/>
-              </a:rPr>
-              <a:t> BKT: </a:t>
+              <a:t> – Verlegeplan BKT: </a:t>
             </a:r>
           </a:p>
           <a:p>
@@ -24677,36 +24721,6 @@
                 <a:sym typeface="Wingdings" panose="05000000000000000000" pitchFamily="2" charset="2"/>
               </a:rPr>
               <a:t>Druckverluste pro Verteiler bei bis 238mbar 126bar (Summe: 1004mbar≈1bar)</a:t>
-            </a:r>
-          </a:p>
-          <a:p>
-            <a:pPr lvl="1"/>
-            <a:r>
-              <a:rPr lang="de-DE" dirty="0" err="1">
-                <a:sym typeface="Wingdings" panose="05000000000000000000" pitchFamily="2" charset="2"/>
-              </a:rPr>
-              <a:t>Kv</a:t>
-            </a:r>
-            <a:r>
-              <a:rPr lang="de-DE" dirty="0">
-                <a:sym typeface="Wingdings" panose="05000000000000000000" pitchFamily="2" charset="2"/>
-              </a:rPr>
-              <a:t> (m³/h/(bar)^0,5) (bei 1bar)</a:t>
-            </a:r>
-          </a:p>
-          <a:p>
-            <a:pPr lvl="1"/>
-            <a:r>
-              <a:rPr lang="de-DE" dirty="0" err="1">
-                <a:sym typeface="Wingdings" panose="05000000000000000000" pitchFamily="2" charset="2"/>
-              </a:rPr>
-              <a:t>Kv</a:t>
-            </a:r>
-            <a:r>
-              <a:rPr lang="de-DE" dirty="0">
-                <a:sym typeface="Wingdings" panose="05000000000000000000" pitchFamily="2" charset="2"/>
-              </a:rPr>
-              <a:t>=2,34 </a:t>
             </a:r>
           </a:p>
           <a:p>
@@ -24718,8 +24732,11 @@
                 </a:solidFill>
                 <a:sym typeface="Wingdings" panose="05000000000000000000" pitchFamily="2" charset="2"/>
               </a:rPr>
-              <a:t>Könnte auch nochmal gegen geprüft werden</a:t>
-            </a:r>
+              <a:t>Druckverluste im Modell prüfen</a:t>
+            </a:r>
+            <a:endParaRPr lang="de-DE" dirty="0">
+              <a:sym typeface="Wingdings" panose="05000000000000000000" pitchFamily="2" charset="2"/>
+            </a:endParaRPr>
           </a:p>
           <a:p>
             <a:pPr marL="285750" indent="-285750">
@@ -24728,45 +24745,12 @@
             </a:pPr>
             <a:r>
               <a:rPr lang="de-DE" dirty="0">
+                <a:solidFill>
+                  <a:srgbClr val="FF0000"/>
+                </a:solidFill>
                 <a:sym typeface="Wingdings" panose="05000000000000000000" pitchFamily="2" charset="2"/>
               </a:rPr>
-              <a:t>CCA eigentlich zum Heizen und Kühlen eingesetzt, sobald Kühlwasserverteiler implementiert ist, kann theoretisch TABS Modell der </a:t>
-            </a:r>
-            <a:r>
-              <a:rPr lang="de-DE" dirty="0" err="1">
-                <a:sym typeface="Wingdings" panose="05000000000000000000" pitchFamily="2" charset="2"/>
-              </a:rPr>
-              <a:t>AixLib</a:t>
-            </a:r>
-            <a:r>
-              <a:rPr lang="de-DE" dirty="0">
-                <a:sym typeface="Wingdings" panose="05000000000000000000" pitchFamily="2" charset="2"/>
-              </a:rPr>
-              <a:t> verwendet werden (</a:t>
-            </a:r>
-            <a:r>
-              <a:rPr lang="de-DE" dirty="0" err="1">
-                <a:sym typeface="Wingdings" panose="05000000000000000000" pitchFamily="2" charset="2"/>
-              </a:rPr>
-              <a:t>AixLib</a:t>
-            </a:r>
-            <a:r>
-              <a:rPr lang="de-DE" dirty="0">
-                <a:sym typeface="Wingdings" panose="05000000000000000000" pitchFamily="2" charset="2"/>
-              </a:rPr>
-              <a:t>/Systems/TABS/</a:t>
-            </a:r>
-            <a:r>
-              <a:rPr lang="de-DE" dirty="0" err="1">
-                <a:sym typeface="Wingdings" panose="05000000000000000000" pitchFamily="2" charset="2"/>
-              </a:rPr>
-              <a:t>tabs</a:t>
-            </a:r>
-            <a:r>
-              <a:rPr lang="de-DE" dirty="0">
-                <a:sym typeface="Wingdings" panose="05000000000000000000" pitchFamily="2" charset="2"/>
-              </a:rPr>
-              <a:t>)</a:t>
+              <a:t>Kv Wert von Ventil prüfen</a:t>
             </a:r>
           </a:p>
           <a:p>
@@ -24991,15 +24975,7 @@
             </a:pPr>
             <a:r>
               <a:rPr lang="de-DE" dirty="0"/>
-              <a:t>Nach Monitoring scheint die CPH oder TFH (Test Facility </a:t>
-            </a:r>
-            <a:r>
-              <a:rPr lang="de-DE" dirty="0" err="1"/>
-              <a:t>Heat</a:t>
-            </a:r>
-            <a:r>
-              <a:rPr lang="de-DE" dirty="0"/>
-              <a:t> </a:t>
+              <a:t>Nach Monitoring scheint die CPH oder TFH (Test Facility Heat </a:t>
             </a:r>
             <a:r>
               <a:rPr lang="de-DE" dirty="0">
@@ -25015,6 +24991,105 @@
                 <a:sym typeface="Wingdings" panose="05000000000000000000" pitchFamily="2" charset="2"/>
               </a:rPr>
               <a:t> Umgang mit diesem Problem noch überlegen</a:t>
+            </a:r>
+          </a:p>
+          <a:p>
+            <a:pPr marL="717750" lvl="1" indent="-285750">
+              <a:buFont typeface="Arial" panose="020B0604020202020204" pitchFamily="34" charset="0"/>
+              <a:buChar char="•"/>
+            </a:pPr>
+            <a:endParaRPr lang="de-DE" dirty="0">
+              <a:solidFill>
+                <a:schemeClr val="accent1"/>
+              </a:solidFill>
+              <a:sym typeface="Wingdings" panose="05000000000000000000" pitchFamily="2" charset="2"/>
+            </a:endParaRPr>
+          </a:p>
+          <a:p>
+            <a:pPr marL="285750" indent="-285750">
+              <a:buFont typeface="Arial" panose="020B0604020202020204" pitchFamily="34" charset="0"/>
+              <a:buChar char="•"/>
+            </a:pPr>
+            <a:r>
+              <a:rPr lang="de-DE" dirty="0">
+                <a:solidFill>
+                  <a:schemeClr val="accent1"/>
+                </a:solidFill>
+                <a:sym typeface="Wingdings" panose="05000000000000000000" pitchFamily="2" charset="2"/>
+              </a:rPr>
+              <a:t>Anmerkung </a:t>
+            </a:r>
+            <a:r>
+              <a:rPr lang="de-DE" dirty="0" err="1">
+                <a:solidFill>
+                  <a:schemeClr val="accent1"/>
+                </a:solidFill>
+                <a:sym typeface="Wingdings" panose="05000000000000000000" pitchFamily="2" charset="2"/>
+              </a:rPr>
+              <a:t>fse</a:t>
+            </a:r>
+            <a:r>
+              <a:rPr lang="de-DE" dirty="0">
+                <a:solidFill>
+                  <a:schemeClr val="accent1"/>
+                </a:solidFill>
+                <a:sym typeface="Wingdings" panose="05000000000000000000" pitchFamily="2" charset="2"/>
+              </a:rPr>
+              <a:t>:</a:t>
+            </a:r>
+          </a:p>
+          <a:p>
+            <a:pPr marL="717750" lvl="1" indent="-285750">
+              <a:buFont typeface="Arial" panose="020B0604020202020204" pitchFamily="34" charset="0"/>
+              <a:buChar char="•"/>
+            </a:pPr>
+            <a:r>
+              <a:rPr lang="de-DE" dirty="0">
+                <a:solidFill>
+                  <a:schemeClr val="accent1"/>
+                </a:solidFill>
+                <a:sym typeface="Wingdings" panose="05000000000000000000" pitchFamily="2" charset="2"/>
+              </a:rPr>
+              <a:t>Vorlauftemperaturen zu hoch</a:t>
+            </a:r>
+          </a:p>
+          <a:p>
+            <a:pPr marL="717750" lvl="1" indent="-285750">
+              <a:buFont typeface="Arial" panose="020B0604020202020204" pitchFamily="34" charset="0"/>
+              <a:buChar char="•"/>
+            </a:pPr>
+            <a:r>
+              <a:rPr lang="de-DE" dirty="0">
+                <a:solidFill>
+                  <a:schemeClr val="accent1"/>
+                </a:solidFill>
+                <a:sym typeface="Wingdings" panose="05000000000000000000" pitchFamily="2" charset="2"/>
+              </a:rPr>
+              <a:t>Zu starke Schwingungen im FW-Netz (90-120°C)</a:t>
+            </a:r>
+          </a:p>
+          <a:p>
+            <a:pPr marL="717750" lvl="1" indent="-285750">
+              <a:buFont typeface="Arial" panose="020B0604020202020204" pitchFamily="34" charset="0"/>
+              <a:buChar char="•"/>
+            </a:pPr>
+            <a:r>
+              <a:rPr lang="de-DE" dirty="0">
+                <a:solidFill>
+                  <a:schemeClr val="accent1"/>
+                </a:solidFill>
+                <a:sym typeface="Wingdings" panose="05000000000000000000" pitchFamily="2" charset="2"/>
+              </a:rPr>
+              <a:t>Evtl. Modellierung über </a:t>
+            </a:r>
+            <a:r>
+              <a:rPr lang="de-DE" dirty="0" err="1">
+                <a:solidFill>
+                  <a:schemeClr val="accent1"/>
+                </a:solidFill>
+                <a:sym typeface="Wingdings" panose="05000000000000000000" pitchFamily="2" charset="2"/>
+              </a:rPr>
+              <a:t>boundaries</a:t>
             </a:r>
             <a:endParaRPr lang="de-DE" dirty="0">
               <a:solidFill>
@@ -25133,57 +25208,6 @@
             <a:r>
               <a:rPr lang="de-DE" dirty="0"/>
               <a:t>Drehzahlen konstant</a:t>
-            </a:r>
-          </a:p>
-          <a:p>
-            <a:pPr marL="285750" indent="-285750">
-              <a:buFont typeface="Arial" panose="020B0604020202020204" pitchFamily="34" charset="0"/>
-              <a:buChar char="•"/>
-            </a:pPr>
-            <a:endParaRPr lang="de-DE" dirty="0"/>
-          </a:p>
-          <a:p>
-            <a:pPr marL="285750" indent="-285750">
-              <a:buFont typeface="Arial" panose="020B0604020202020204" pitchFamily="34" charset="0"/>
-              <a:buChar char="•"/>
-            </a:pPr>
-            <a:r>
-              <a:rPr lang="de-DE" dirty="0">
-                <a:solidFill>
-                  <a:srgbClr val="FF0000"/>
-                </a:solidFill>
-              </a:rPr>
-              <a:t>Anmerkung </a:t>
-            </a:r>
-            <a:r>
-              <a:rPr lang="de-DE" dirty="0" err="1">
-                <a:solidFill>
-                  <a:srgbClr val="FF0000"/>
-                </a:solidFill>
-              </a:rPr>
-              <a:t>fse</a:t>
-            </a:r>
-            <a:r>
-              <a:rPr lang="de-DE" dirty="0">
-                <a:solidFill>
-                  <a:srgbClr val="FF0000"/>
-                </a:solidFill>
-              </a:rPr>
-              <a:t>:</a:t>
-            </a:r>
-          </a:p>
-          <a:p>
-            <a:pPr marL="717750" lvl="1" indent="-285750">
-              <a:buFont typeface="Arial" panose="020B0604020202020204" pitchFamily="34" charset="0"/>
-              <a:buChar char="•"/>
-            </a:pPr>
-            <a:r>
-              <a:rPr lang="de-DE" dirty="0">
-                <a:solidFill>
-                  <a:srgbClr val="FF0000"/>
-                </a:solidFill>
-              </a:rPr>
-              <a:t>Regelung der AHU in generellen Regelungsblock übernehmen</a:t>
             </a:r>
           </a:p>
         </p:txBody>
@@ -26342,7 +26366,7 @@
                 </a:solidFill>
                 <a:sym typeface="Wingdings" panose="05000000000000000000" pitchFamily="2" charset="2"/>
               </a:rPr>
-              <a:t>Regelung für Supply Temperatur vorsehen</a:t>
+              <a:t>Regelung für Supply Temperatur vorsehen (eventuell noch etwas in Obsolete vorhanden)</a:t>
             </a:r>
             <a:endParaRPr lang="de-DE" dirty="0">
               <a:solidFill>
